--- a/WindowsGame_선생님꺼/Day17/Day17 더블버퍼링, TimeManager.pptx
+++ b/WindowsGame_선생님꺼/Day17/Day17 더블버퍼링, TimeManager.pptx
@@ -110,6 +110,11 @@
       </a:defRPr>
     </a:lvl9pPr>
   </p:defaultTextStyle>
+  <p:extLst>
+    <p:ext uri="{EFAFB233-063F-42B5-8137-9DF3F51BA10A}">
+      <p15:sldGuideLst xmlns:p15="http://schemas.microsoft.com/office/powerpoint/2012/main"/>
+    </p:ext>
+  </p:extLst>
 </p:presentation>
 </file>
 
@@ -155,10 +160,9 @@
           </a:lstStyle>
           <a:p>
             <a:r>
-              <a:rPr lang="ko-KR" altLang="en-US" smtClean="0"/>
+              <a:rPr lang="ko-KR" altLang="en-US"/>
               <a:t>마스터 제목 스타일 편집</a:t>
             </a:r>
-            <a:endParaRPr lang="ko-KR" altLang="en-US"/>
           </a:p>
         </p:txBody>
       </p:sp>
@@ -220,10 +224,9 @@
           </a:lstStyle>
           <a:p>
             <a:r>
-              <a:rPr lang="ko-KR" altLang="en-US" smtClean="0"/>
+              <a:rPr lang="ko-KR" altLang="en-US"/>
               <a:t>클릭하여 마스터 부제목 스타일 편집</a:t>
             </a:r>
-            <a:endParaRPr lang="ko-KR" altLang="en-US"/>
           </a:p>
         </p:txBody>
       </p:sp>
@@ -244,7 +247,7 @@
           <a:p>
             <a:fld id="{8794F48B-04B4-45F0-B7D9-C463A052B37F}" type="datetimeFigureOut">
               <a:rPr lang="ko-KR" altLang="en-US" smtClean="0"/>
-              <a:t>2024-03-29</a:t>
+              <a:t>07-12(Fri)</a:t>
             </a:fld>
             <a:endParaRPr lang="ko-KR" altLang="en-US"/>
           </a:p>
@@ -338,10 +341,9 @@
           <a:lstStyle/>
           <a:p>
             <a:r>
-              <a:rPr lang="ko-KR" altLang="en-US" smtClean="0"/>
+              <a:rPr lang="ko-KR" altLang="en-US"/>
               <a:t>마스터 제목 스타일 편집</a:t>
             </a:r>
-            <a:endParaRPr lang="ko-KR" altLang="en-US"/>
           </a:p>
         </p:txBody>
       </p:sp>
@@ -362,38 +364,37 @@
           <a:p>
             <a:pPr lvl="0"/>
             <a:r>
-              <a:rPr lang="ko-KR" altLang="en-US" smtClean="0"/>
+              <a:rPr lang="ko-KR" altLang="en-US"/>
               <a:t>마스터 텍스트 스타일 편집</a:t>
             </a:r>
           </a:p>
           <a:p>
             <a:pPr lvl="1"/>
             <a:r>
-              <a:rPr lang="ko-KR" altLang="en-US" smtClean="0"/>
+              <a:rPr lang="ko-KR" altLang="en-US"/>
               <a:t>둘째 수준</a:t>
             </a:r>
           </a:p>
           <a:p>
             <a:pPr lvl="2"/>
             <a:r>
-              <a:rPr lang="ko-KR" altLang="en-US" smtClean="0"/>
+              <a:rPr lang="ko-KR" altLang="en-US"/>
               <a:t>셋째 수준</a:t>
             </a:r>
           </a:p>
           <a:p>
             <a:pPr lvl="3"/>
             <a:r>
-              <a:rPr lang="ko-KR" altLang="en-US" smtClean="0"/>
+              <a:rPr lang="ko-KR" altLang="en-US"/>
               <a:t>넷째 수준</a:t>
             </a:r>
           </a:p>
           <a:p>
             <a:pPr lvl="4"/>
             <a:r>
-              <a:rPr lang="ko-KR" altLang="en-US" smtClean="0"/>
+              <a:rPr lang="ko-KR" altLang="en-US"/>
               <a:t>다섯째 수준</a:t>
             </a:r>
-            <a:endParaRPr lang="ko-KR" altLang="en-US"/>
           </a:p>
         </p:txBody>
       </p:sp>
@@ -414,7 +415,7 @@
           <a:p>
             <a:fld id="{8794F48B-04B4-45F0-B7D9-C463A052B37F}" type="datetimeFigureOut">
               <a:rPr lang="ko-KR" altLang="en-US" smtClean="0"/>
-              <a:t>2024-03-29</a:t>
+              <a:t>07-12(Fri)</a:t>
             </a:fld>
             <a:endParaRPr lang="ko-KR" altLang="en-US"/>
           </a:p>
@@ -513,10 +514,9 @@
           <a:lstStyle/>
           <a:p>
             <a:r>
-              <a:rPr lang="ko-KR" altLang="en-US" smtClean="0"/>
+              <a:rPr lang="ko-KR" altLang="en-US"/>
               <a:t>마스터 제목 스타일 편집</a:t>
             </a:r>
-            <a:endParaRPr lang="ko-KR" altLang="en-US"/>
           </a:p>
         </p:txBody>
       </p:sp>
@@ -542,38 +542,37 @@
           <a:p>
             <a:pPr lvl="0"/>
             <a:r>
-              <a:rPr lang="ko-KR" altLang="en-US" smtClean="0"/>
+              <a:rPr lang="ko-KR" altLang="en-US"/>
               <a:t>마스터 텍스트 스타일 편집</a:t>
             </a:r>
           </a:p>
           <a:p>
             <a:pPr lvl="1"/>
             <a:r>
-              <a:rPr lang="ko-KR" altLang="en-US" smtClean="0"/>
+              <a:rPr lang="ko-KR" altLang="en-US"/>
               <a:t>둘째 수준</a:t>
             </a:r>
           </a:p>
           <a:p>
             <a:pPr lvl="2"/>
             <a:r>
-              <a:rPr lang="ko-KR" altLang="en-US" smtClean="0"/>
+              <a:rPr lang="ko-KR" altLang="en-US"/>
               <a:t>셋째 수준</a:t>
             </a:r>
           </a:p>
           <a:p>
             <a:pPr lvl="3"/>
             <a:r>
-              <a:rPr lang="ko-KR" altLang="en-US" smtClean="0"/>
+              <a:rPr lang="ko-KR" altLang="en-US"/>
               <a:t>넷째 수준</a:t>
             </a:r>
           </a:p>
           <a:p>
             <a:pPr lvl="4"/>
             <a:r>
-              <a:rPr lang="ko-KR" altLang="en-US" smtClean="0"/>
+              <a:rPr lang="ko-KR" altLang="en-US"/>
               <a:t>다섯째 수준</a:t>
             </a:r>
-            <a:endParaRPr lang="ko-KR" altLang="en-US"/>
           </a:p>
         </p:txBody>
       </p:sp>
@@ -594,7 +593,7 @@
           <a:p>
             <a:fld id="{8794F48B-04B4-45F0-B7D9-C463A052B37F}" type="datetimeFigureOut">
               <a:rPr lang="ko-KR" altLang="en-US" smtClean="0"/>
-              <a:t>2024-03-29</a:t>
+              <a:t>07-12(Fri)</a:t>
             </a:fld>
             <a:endParaRPr lang="ko-KR" altLang="en-US"/>
           </a:p>
@@ -688,10 +687,9 @@
           <a:lstStyle/>
           <a:p>
             <a:r>
-              <a:rPr lang="ko-KR" altLang="en-US" smtClean="0"/>
+              <a:rPr lang="ko-KR" altLang="en-US"/>
               <a:t>마스터 제목 스타일 편집</a:t>
             </a:r>
-            <a:endParaRPr lang="ko-KR" altLang="en-US"/>
           </a:p>
         </p:txBody>
       </p:sp>
@@ -712,38 +710,37 @@
           <a:p>
             <a:pPr lvl="0"/>
             <a:r>
-              <a:rPr lang="ko-KR" altLang="en-US" smtClean="0"/>
+              <a:rPr lang="ko-KR" altLang="en-US"/>
               <a:t>마스터 텍스트 스타일 편집</a:t>
             </a:r>
           </a:p>
           <a:p>
             <a:pPr lvl="1"/>
             <a:r>
-              <a:rPr lang="ko-KR" altLang="en-US" smtClean="0"/>
+              <a:rPr lang="ko-KR" altLang="en-US"/>
               <a:t>둘째 수준</a:t>
             </a:r>
           </a:p>
           <a:p>
             <a:pPr lvl="2"/>
             <a:r>
-              <a:rPr lang="ko-KR" altLang="en-US" smtClean="0"/>
+              <a:rPr lang="ko-KR" altLang="en-US"/>
               <a:t>셋째 수준</a:t>
             </a:r>
           </a:p>
           <a:p>
             <a:pPr lvl="3"/>
             <a:r>
-              <a:rPr lang="ko-KR" altLang="en-US" smtClean="0"/>
+              <a:rPr lang="ko-KR" altLang="en-US"/>
               <a:t>넷째 수준</a:t>
             </a:r>
           </a:p>
           <a:p>
             <a:pPr lvl="4"/>
             <a:r>
-              <a:rPr lang="ko-KR" altLang="en-US" smtClean="0"/>
+              <a:rPr lang="ko-KR" altLang="en-US"/>
               <a:t>다섯째 수준</a:t>
             </a:r>
-            <a:endParaRPr lang="ko-KR" altLang="en-US"/>
           </a:p>
         </p:txBody>
       </p:sp>
@@ -764,7 +761,7 @@
           <a:p>
             <a:fld id="{8794F48B-04B4-45F0-B7D9-C463A052B37F}" type="datetimeFigureOut">
               <a:rPr lang="ko-KR" altLang="en-US" smtClean="0"/>
-              <a:t>2024-03-29</a:t>
+              <a:t>07-12(Fri)</a:t>
             </a:fld>
             <a:endParaRPr lang="ko-KR" altLang="en-US"/>
           </a:p>
@@ -867,10 +864,9 @@
           </a:lstStyle>
           <a:p>
             <a:r>
-              <a:rPr lang="ko-KR" altLang="en-US" smtClean="0"/>
+              <a:rPr lang="ko-KR" altLang="en-US"/>
               <a:t>마스터 제목 스타일 편집</a:t>
             </a:r>
-            <a:endParaRPr lang="ko-KR" altLang="en-US"/>
           </a:p>
         </p:txBody>
       </p:sp>
@@ -987,7 +983,7 @@
           <a:p>
             <a:pPr lvl="0"/>
             <a:r>
-              <a:rPr lang="ko-KR" altLang="en-US" smtClean="0"/>
+              <a:rPr lang="ko-KR" altLang="en-US"/>
               <a:t>마스터 텍스트 스타일 편집</a:t>
             </a:r>
           </a:p>
@@ -1010,7 +1006,7 @@
           <a:p>
             <a:fld id="{8794F48B-04B4-45F0-B7D9-C463A052B37F}" type="datetimeFigureOut">
               <a:rPr lang="ko-KR" altLang="en-US" smtClean="0"/>
-              <a:t>2024-03-29</a:t>
+              <a:t>07-12(Fri)</a:t>
             </a:fld>
             <a:endParaRPr lang="ko-KR" altLang="en-US"/>
           </a:p>
@@ -1104,10 +1100,9 @@
           <a:lstStyle/>
           <a:p>
             <a:r>
-              <a:rPr lang="ko-KR" altLang="en-US" smtClean="0"/>
+              <a:rPr lang="ko-KR" altLang="en-US"/>
               <a:t>마스터 제목 스타일 편집</a:t>
             </a:r>
-            <a:endParaRPr lang="ko-KR" altLang="en-US"/>
           </a:p>
         </p:txBody>
       </p:sp>
@@ -1133,38 +1128,37 @@
           <a:p>
             <a:pPr lvl="0"/>
             <a:r>
-              <a:rPr lang="ko-KR" altLang="en-US" smtClean="0"/>
+              <a:rPr lang="ko-KR" altLang="en-US"/>
               <a:t>마스터 텍스트 스타일 편집</a:t>
             </a:r>
           </a:p>
           <a:p>
             <a:pPr lvl="1"/>
             <a:r>
-              <a:rPr lang="ko-KR" altLang="en-US" smtClean="0"/>
+              <a:rPr lang="ko-KR" altLang="en-US"/>
               <a:t>둘째 수준</a:t>
             </a:r>
           </a:p>
           <a:p>
             <a:pPr lvl="2"/>
             <a:r>
-              <a:rPr lang="ko-KR" altLang="en-US" smtClean="0"/>
+              <a:rPr lang="ko-KR" altLang="en-US"/>
               <a:t>셋째 수준</a:t>
             </a:r>
           </a:p>
           <a:p>
             <a:pPr lvl="3"/>
             <a:r>
-              <a:rPr lang="ko-KR" altLang="en-US" smtClean="0"/>
+              <a:rPr lang="ko-KR" altLang="en-US"/>
               <a:t>넷째 수준</a:t>
             </a:r>
           </a:p>
           <a:p>
             <a:pPr lvl="4"/>
             <a:r>
-              <a:rPr lang="ko-KR" altLang="en-US" smtClean="0"/>
+              <a:rPr lang="ko-KR" altLang="en-US"/>
               <a:t>다섯째 수준</a:t>
             </a:r>
-            <a:endParaRPr lang="ko-KR" altLang="en-US"/>
           </a:p>
         </p:txBody>
       </p:sp>
@@ -1190,38 +1184,37 @@
           <a:p>
             <a:pPr lvl="0"/>
             <a:r>
-              <a:rPr lang="ko-KR" altLang="en-US" smtClean="0"/>
+              <a:rPr lang="ko-KR" altLang="en-US"/>
               <a:t>마스터 텍스트 스타일 편집</a:t>
             </a:r>
           </a:p>
           <a:p>
             <a:pPr lvl="1"/>
             <a:r>
-              <a:rPr lang="ko-KR" altLang="en-US" smtClean="0"/>
+              <a:rPr lang="ko-KR" altLang="en-US"/>
               <a:t>둘째 수준</a:t>
             </a:r>
           </a:p>
           <a:p>
             <a:pPr lvl="2"/>
             <a:r>
-              <a:rPr lang="ko-KR" altLang="en-US" smtClean="0"/>
+              <a:rPr lang="ko-KR" altLang="en-US"/>
               <a:t>셋째 수준</a:t>
             </a:r>
           </a:p>
           <a:p>
             <a:pPr lvl="3"/>
             <a:r>
-              <a:rPr lang="ko-KR" altLang="en-US" smtClean="0"/>
+              <a:rPr lang="ko-KR" altLang="en-US"/>
               <a:t>넷째 수준</a:t>
             </a:r>
           </a:p>
           <a:p>
             <a:pPr lvl="4"/>
             <a:r>
-              <a:rPr lang="ko-KR" altLang="en-US" smtClean="0"/>
+              <a:rPr lang="ko-KR" altLang="en-US"/>
               <a:t>다섯째 수준</a:t>
             </a:r>
-            <a:endParaRPr lang="ko-KR" altLang="en-US"/>
           </a:p>
         </p:txBody>
       </p:sp>
@@ -1242,7 +1235,7 @@
           <a:p>
             <a:fld id="{8794F48B-04B4-45F0-B7D9-C463A052B37F}" type="datetimeFigureOut">
               <a:rPr lang="ko-KR" altLang="en-US" smtClean="0"/>
-              <a:t>2024-03-29</a:t>
+              <a:t>07-12(Fri)</a:t>
             </a:fld>
             <a:endParaRPr lang="ko-KR" altLang="en-US"/>
           </a:p>
@@ -1341,10 +1334,9 @@
           <a:lstStyle/>
           <a:p>
             <a:r>
-              <a:rPr lang="ko-KR" altLang="en-US" smtClean="0"/>
+              <a:rPr lang="ko-KR" altLang="en-US"/>
               <a:t>마스터 제목 스타일 편집</a:t>
             </a:r>
-            <a:endParaRPr lang="ko-KR" altLang="en-US"/>
           </a:p>
         </p:txBody>
       </p:sp>
@@ -1407,7 +1399,7 @@
           <a:p>
             <a:pPr lvl="0"/>
             <a:r>
-              <a:rPr lang="ko-KR" altLang="en-US" smtClean="0"/>
+              <a:rPr lang="ko-KR" altLang="en-US"/>
               <a:t>마스터 텍스트 스타일 편집</a:t>
             </a:r>
           </a:p>
@@ -1435,38 +1427,37 @@
           <a:p>
             <a:pPr lvl="0"/>
             <a:r>
-              <a:rPr lang="ko-KR" altLang="en-US" smtClean="0"/>
+              <a:rPr lang="ko-KR" altLang="en-US"/>
               <a:t>마스터 텍스트 스타일 편집</a:t>
             </a:r>
           </a:p>
           <a:p>
             <a:pPr lvl="1"/>
             <a:r>
-              <a:rPr lang="ko-KR" altLang="en-US" smtClean="0"/>
+              <a:rPr lang="ko-KR" altLang="en-US"/>
               <a:t>둘째 수준</a:t>
             </a:r>
           </a:p>
           <a:p>
             <a:pPr lvl="2"/>
             <a:r>
-              <a:rPr lang="ko-KR" altLang="en-US" smtClean="0"/>
+              <a:rPr lang="ko-KR" altLang="en-US"/>
               <a:t>셋째 수준</a:t>
             </a:r>
           </a:p>
           <a:p>
             <a:pPr lvl="3"/>
             <a:r>
-              <a:rPr lang="ko-KR" altLang="en-US" smtClean="0"/>
+              <a:rPr lang="ko-KR" altLang="en-US"/>
               <a:t>넷째 수준</a:t>
             </a:r>
           </a:p>
           <a:p>
             <a:pPr lvl="4"/>
             <a:r>
-              <a:rPr lang="ko-KR" altLang="en-US" smtClean="0"/>
+              <a:rPr lang="ko-KR" altLang="en-US"/>
               <a:t>다섯째 수준</a:t>
             </a:r>
-            <a:endParaRPr lang="ko-KR" altLang="en-US"/>
           </a:p>
         </p:txBody>
       </p:sp>
@@ -1529,7 +1520,7 @@
           <a:p>
             <a:pPr lvl="0"/>
             <a:r>
-              <a:rPr lang="ko-KR" altLang="en-US" smtClean="0"/>
+              <a:rPr lang="ko-KR" altLang="en-US"/>
               <a:t>마스터 텍스트 스타일 편집</a:t>
             </a:r>
           </a:p>
@@ -1557,38 +1548,37 @@
           <a:p>
             <a:pPr lvl="0"/>
             <a:r>
-              <a:rPr lang="ko-KR" altLang="en-US" smtClean="0"/>
+              <a:rPr lang="ko-KR" altLang="en-US"/>
               <a:t>마스터 텍스트 스타일 편집</a:t>
             </a:r>
           </a:p>
           <a:p>
             <a:pPr lvl="1"/>
             <a:r>
-              <a:rPr lang="ko-KR" altLang="en-US" smtClean="0"/>
+              <a:rPr lang="ko-KR" altLang="en-US"/>
               <a:t>둘째 수준</a:t>
             </a:r>
           </a:p>
           <a:p>
             <a:pPr lvl="2"/>
             <a:r>
-              <a:rPr lang="ko-KR" altLang="en-US" smtClean="0"/>
+              <a:rPr lang="ko-KR" altLang="en-US"/>
               <a:t>셋째 수준</a:t>
             </a:r>
           </a:p>
           <a:p>
             <a:pPr lvl="3"/>
             <a:r>
-              <a:rPr lang="ko-KR" altLang="en-US" smtClean="0"/>
+              <a:rPr lang="ko-KR" altLang="en-US"/>
               <a:t>넷째 수준</a:t>
             </a:r>
           </a:p>
           <a:p>
             <a:pPr lvl="4"/>
             <a:r>
-              <a:rPr lang="ko-KR" altLang="en-US" smtClean="0"/>
+              <a:rPr lang="ko-KR" altLang="en-US"/>
               <a:t>다섯째 수준</a:t>
             </a:r>
-            <a:endParaRPr lang="ko-KR" altLang="en-US"/>
           </a:p>
         </p:txBody>
       </p:sp>
@@ -1609,7 +1599,7 @@
           <a:p>
             <a:fld id="{8794F48B-04B4-45F0-B7D9-C463A052B37F}" type="datetimeFigureOut">
               <a:rPr lang="ko-KR" altLang="en-US" smtClean="0"/>
-              <a:t>2024-03-29</a:t>
+              <a:t>07-12(Fri)</a:t>
             </a:fld>
             <a:endParaRPr lang="ko-KR" altLang="en-US"/>
           </a:p>
@@ -1703,10 +1693,9 @@
           <a:lstStyle/>
           <a:p>
             <a:r>
-              <a:rPr lang="ko-KR" altLang="en-US" smtClean="0"/>
+              <a:rPr lang="ko-KR" altLang="en-US"/>
               <a:t>마스터 제목 스타일 편집</a:t>
             </a:r>
-            <a:endParaRPr lang="ko-KR" altLang="en-US"/>
           </a:p>
         </p:txBody>
       </p:sp>
@@ -1727,7 +1716,7 @@
           <a:p>
             <a:fld id="{8794F48B-04B4-45F0-B7D9-C463A052B37F}" type="datetimeFigureOut">
               <a:rPr lang="ko-KR" altLang="en-US" smtClean="0"/>
-              <a:t>2024-03-29</a:t>
+              <a:t>07-12(Fri)</a:t>
             </a:fld>
             <a:endParaRPr lang="ko-KR" altLang="en-US"/>
           </a:p>
@@ -1822,7 +1811,7 @@
           <a:p>
             <a:fld id="{8794F48B-04B4-45F0-B7D9-C463A052B37F}" type="datetimeFigureOut">
               <a:rPr lang="ko-KR" altLang="en-US" smtClean="0"/>
-              <a:t>2024-03-29</a:t>
+              <a:t>07-12(Fri)</a:t>
             </a:fld>
             <a:endParaRPr lang="ko-KR" altLang="en-US"/>
           </a:p>
@@ -1925,10 +1914,9 @@
           </a:lstStyle>
           <a:p>
             <a:r>
-              <a:rPr lang="ko-KR" altLang="en-US" smtClean="0"/>
+              <a:rPr lang="ko-KR" altLang="en-US"/>
               <a:t>마스터 제목 스타일 편집</a:t>
             </a:r>
-            <a:endParaRPr lang="ko-KR" altLang="en-US"/>
           </a:p>
         </p:txBody>
       </p:sp>
@@ -1982,38 +1970,37 @@
           <a:p>
             <a:pPr lvl="0"/>
             <a:r>
-              <a:rPr lang="ko-KR" altLang="en-US" smtClean="0"/>
+              <a:rPr lang="ko-KR" altLang="en-US"/>
               <a:t>마스터 텍스트 스타일 편집</a:t>
             </a:r>
           </a:p>
           <a:p>
             <a:pPr lvl="1"/>
             <a:r>
-              <a:rPr lang="ko-KR" altLang="en-US" smtClean="0"/>
+              <a:rPr lang="ko-KR" altLang="en-US"/>
               <a:t>둘째 수준</a:t>
             </a:r>
           </a:p>
           <a:p>
             <a:pPr lvl="2"/>
             <a:r>
-              <a:rPr lang="ko-KR" altLang="en-US" smtClean="0"/>
+              <a:rPr lang="ko-KR" altLang="en-US"/>
               <a:t>셋째 수준</a:t>
             </a:r>
           </a:p>
           <a:p>
             <a:pPr lvl="3"/>
             <a:r>
-              <a:rPr lang="ko-KR" altLang="en-US" smtClean="0"/>
+              <a:rPr lang="ko-KR" altLang="en-US"/>
               <a:t>넷째 수준</a:t>
             </a:r>
           </a:p>
           <a:p>
             <a:pPr lvl="4"/>
             <a:r>
-              <a:rPr lang="ko-KR" altLang="en-US" smtClean="0"/>
+              <a:rPr lang="ko-KR" altLang="en-US"/>
               <a:t>다섯째 수준</a:t>
             </a:r>
-            <a:endParaRPr lang="ko-KR" altLang="en-US"/>
           </a:p>
         </p:txBody>
       </p:sp>
@@ -2076,7 +2063,7 @@
           <a:p>
             <a:pPr lvl="0"/>
             <a:r>
-              <a:rPr lang="ko-KR" altLang="en-US" smtClean="0"/>
+              <a:rPr lang="ko-KR" altLang="en-US"/>
               <a:t>마스터 텍스트 스타일 편집</a:t>
             </a:r>
           </a:p>
@@ -2099,7 +2086,7 @@
           <a:p>
             <a:fld id="{8794F48B-04B4-45F0-B7D9-C463A052B37F}" type="datetimeFigureOut">
               <a:rPr lang="ko-KR" altLang="en-US" smtClean="0"/>
-              <a:t>2024-03-29</a:t>
+              <a:t>07-12(Fri)</a:t>
             </a:fld>
             <a:endParaRPr lang="ko-KR" altLang="en-US"/>
           </a:p>
@@ -2202,10 +2189,9 @@
           </a:lstStyle>
           <a:p>
             <a:r>
-              <a:rPr lang="ko-KR" altLang="en-US" smtClean="0"/>
+              <a:rPr lang="ko-KR" altLang="en-US"/>
               <a:t>마스터 제목 스타일 편집</a:t>
             </a:r>
-            <a:endParaRPr lang="ko-KR" altLang="en-US"/>
           </a:p>
         </p:txBody>
       </p:sp>
@@ -2329,7 +2315,7 @@
           <a:p>
             <a:pPr lvl="0"/>
             <a:r>
-              <a:rPr lang="ko-KR" altLang="en-US" smtClean="0"/>
+              <a:rPr lang="ko-KR" altLang="en-US"/>
               <a:t>마스터 텍스트 스타일 편집</a:t>
             </a:r>
           </a:p>
@@ -2352,7 +2338,7 @@
           <a:p>
             <a:fld id="{8794F48B-04B4-45F0-B7D9-C463A052B37F}" type="datetimeFigureOut">
               <a:rPr lang="ko-KR" altLang="en-US" smtClean="0"/>
-              <a:t>2024-03-29</a:t>
+              <a:t>07-12(Fri)</a:t>
             </a:fld>
             <a:endParaRPr lang="ko-KR" altLang="en-US"/>
           </a:p>
@@ -2461,10 +2447,9 @@
           <a:lstStyle/>
           <a:p>
             <a:r>
-              <a:rPr lang="ko-KR" altLang="en-US" smtClean="0"/>
+              <a:rPr lang="ko-KR" altLang="en-US"/>
               <a:t>마스터 제목 스타일 편집</a:t>
             </a:r>
-            <a:endParaRPr lang="ko-KR" altLang="en-US"/>
           </a:p>
         </p:txBody>
       </p:sp>
@@ -2495,38 +2480,37 @@
           <a:p>
             <a:pPr lvl="0"/>
             <a:r>
-              <a:rPr lang="ko-KR" altLang="en-US" smtClean="0"/>
+              <a:rPr lang="ko-KR" altLang="en-US"/>
               <a:t>마스터 텍스트 스타일 편집</a:t>
             </a:r>
           </a:p>
           <a:p>
             <a:pPr lvl="1"/>
             <a:r>
-              <a:rPr lang="ko-KR" altLang="en-US" smtClean="0"/>
+              <a:rPr lang="ko-KR" altLang="en-US"/>
               <a:t>둘째 수준</a:t>
             </a:r>
           </a:p>
           <a:p>
             <a:pPr lvl="2"/>
             <a:r>
-              <a:rPr lang="ko-KR" altLang="en-US" smtClean="0"/>
+              <a:rPr lang="ko-KR" altLang="en-US"/>
               <a:t>셋째 수준</a:t>
             </a:r>
           </a:p>
           <a:p>
             <a:pPr lvl="3"/>
             <a:r>
-              <a:rPr lang="ko-KR" altLang="en-US" smtClean="0"/>
+              <a:rPr lang="ko-KR" altLang="en-US"/>
               <a:t>넷째 수준</a:t>
             </a:r>
           </a:p>
           <a:p>
             <a:pPr lvl="4"/>
             <a:r>
-              <a:rPr lang="ko-KR" altLang="en-US" smtClean="0"/>
+              <a:rPr lang="ko-KR" altLang="en-US"/>
               <a:t>다섯째 수준</a:t>
             </a:r>
-            <a:endParaRPr lang="ko-KR" altLang="en-US"/>
           </a:p>
         </p:txBody>
       </p:sp>
@@ -2565,7 +2549,7 @@
           <a:p>
             <a:fld id="{8794F48B-04B4-45F0-B7D9-C463A052B37F}" type="datetimeFigureOut">
               <a:rPr lang="ko-KR" altLang="en-US" smtClean="0"/>
-              <a:t>2024-03-29</a:t>
+              <a:t>07-12(Fri)</a:t>
             </a:fld>
             <a:endParaRPr lang="ko-KR" altLang="en-US"/>
           </a:p>
@@ -3377,16 +3361,12 @@
           <a:lstStyle/>
           <a:p>
             <a:r>
-              <a:rPr lang="en-US" altLang="ko-KR" dirty="0" err="1" smtClean="0"/>
+              <a:rPr lang="en-US" altLang="ko-KR" dirty="0" err="1"/>
               <a:t>i</a:t>
             </a:r>
             <a:r>
               <a:rPr lang="en-US" altLang="ko-KR" dirty="0"/>
-              <a:t> </a:t>
-            </a:r>
-            <a:r>
-              <a:rPr lang="en-US" altLang="ko-KR" dirty="0" smtClean="0"/>
-              <a:t>= 0, j = 0 ~ 8</a:t>
+              <a:t> = 0, j = 0 ~ 8</a:t>
             </a:r>
             <a:endParaRPr lang="ko-KR" altLang="en-US" dirty="0"/>
           </a:p>
@@ -3415,16 +3395,12 @@
           <a:lstStyle/>
           <a:p>
             <a:r>
-              <a:rPr lang="en-US" altLang="ko-KR" dirty="0" err="1" smtClean="0"/>
+              <a:rPr lang="en-US" altLang="ko-KR" dirty="0" err="1"/>
               <a:t>i</a:t>
             </a:r>
             <a:r>
               <a:rPr lang="en-US" altLang="ko-KR" dirty="0"/>
-              <a:t> </a:t>
-            </a:r>
-            <a:r>
-              <a:rPr lang="en-US" altLang="ko-KR" dirty="0" smtClean="0"/>
-              <a:t>= 1, j = 0 ~ 8</a:t>
+              <a:t> = 1, j = 0 ~ 8</a:t>
             </a:r>
             <a:endParaRPr lang="ko-KR" altLang="en-US" dirty="0"/>
           </a:p>
@@ -3453,16 +3429,12 @@
           <a:lstStyle/>
           <a:p>
             <a:r>
-              <a:rPr lang="en-US" altLang="ko-KR" dirty="0" err="1" smtClean="0"/>
+              <a:rPr lang="en-US" altLang="ko-KR" dirty="0" err="1"/>
               <a:t>i</a:t>
             </a:r>
             <a:r>
               <a:rPr lang="en-US" altLang="ko-KR" dirty="0"/>
-              <a:t> </a:t>
-            </a:r>
-            <a:r>
-              <a:rPr lang="en-US" altLang="ko-KR" dirty="0" smtClean="0"/>
-              <a:t>= 2, j = 0 ~ 8</a:t>
+              <a:t> = 2, j = 0 ~ 8</a:t>
             </a:r>
             <a:endParaRPr lang="ko-KR" altLang="en-US" dirty="0"/>
           </a:p>
@@ -3491,23 +3463,23 @@
           <a:lstStyle/>
           <a:p>
             <a:r>
-              <a:rPr lang="en-US" altLang="ko-KR" dirty="0" smtClean="0"/>
+              <a:rPr lang="en-US" altLang="ko-KR" dirty="0"/>
               <a:t>X</a:t>
             </a:r>
             <a:r>
-              <a:rPr lang="ko-KR" altLang="en-US" dirty="0" smtClean="0"/>
+              <a:rPr lang="ko-KR" altLang="en-US" dirty="0"/>
               <a:t>좌표 </a:t>
             </a:r>
             <a:r>
-              <a:rPr lang="en-US" altLang="ko-KR" dirty="0" smtClean="0"/>
+              <a:rPr lang="en-US" altLang="ko-KR" dirty="0"/>
               <a:t>: (i%3) *  </a:t>
             </a:r>
             <a:r>
-              <a:rPr lang="ko-KR" altLang="en-US" dirty="0" smtClean="0"/>
+              <a:rPr lang="ko-KR" altLang="en-US" dirty="0"/>
               <a:t>노란색 거리 </a:t>
             </a:r>
             <a:r>
-              <a:rPr lang="en-US" altLang="ko-KR" dirty="0" smtClean="0"/>
+              <a:rPr lang="en-US" altLang="ko-KR" dirty="0"/>
               <a:t>( 250px )</a:t>
             </a:r>
           </a:p>
@@ -3516,39 +3488,39 @@
           </a:p>
           <a:p>
             <a:r>
-              <a:rPr lang="en-US" altLang="ko-KR" dirty="0" smtClean="0"/>
+              <a:rPr lang="en-US" altLang="ko-KR" dirty="0"/>
               <a:t>Y</a:t>
             </a:r>
             <a:r>
-              <a:rPr lang="ko-KR" altLang="en-US" dirty="0" smtClean="0"/>
+              <a:rPr lang="ko-KR" altLang="en-US" dirty="0"/>
               <a:t>좌표 </a:t>
             </a:r>
             <a:r>
-              <a:rPr lang="en-US" altLang="ko-KR" dirty="0" smtClean="0"/>
+              <a:rPr lang="en-US" altLang="ko-KR" dirty="0"/>
               <a:t>: (</a:t>
             </a:r>
             <a:r>
-              <a:rPr lang="en-US" altLang="ko-KR" dirty="0" err="1" smtClean="0"/>
+              <a:rPr lang="en-US" altLang="ko-KR" dirty="0" err="1"/>
               <a:t>i</a:t>
             </a:r>
             <a:r>
-              <a:rPr lang="en-US" altLang="ko-KR" dirty="0" smtClean="0"/>
+              <a:rPr lang="en-US" altLang="ko-KR" dirty="0"/>
               <a:t>/3) * </a:t>
             </a:r>
             <a:r>
-              <a:rPr lang="ko-KR" altLang="en-US" dirty="0" smtClean="0"/>
+              <a:rPr lang="ko-KR" altLang="en-US" dirty="0"/>
               <a:t>초록색 거리 </a:t>
             </a:r>
             <a:r>
-              <a:rPr lang="en-US" altLang="ko-KR" dirty="0" smtClean="0"/>
+              <a:rPr lang="en-US" altLang="ko-KR" dirty="0"/>
               <a:t>(200px) + </a:t>
             </a:r>
             <a:r>
-              <a:rPr lang="ko-KR" altLang="en-US" dirty="0" smtClean="0"/>
+              <a:rPr lang="ko-KR" altLang="en-US" dirty="0"/>
               <a:t>주황색 거리 </a:t>
             </a:r>
             <a:r>
-              <a:rPr lang="en-US" altLang="ko-KR" dirty="0" smtClean="0"/>
+              <a:rPr lang="en-US" altLang="ko-KR" dirty="0"/>
               <a:t>* j</a:t>
             </a:r>
             <a:endParaRPr lang="ko-KR" altLang="en-US" dirty="0"/>
@@ -3618,16 +3590,12 @@
           <a:lstStyle/>
           <a:p>
             <a:r>
-              <a:rPr lang="en-US" altLang="ko-KR" dirty="0" err="1" smtClean="0"/>
+              <a:rPr lang="en-US" altLang="ko-KR" dirty="0" err="1"/>
               <a:t>i</a:t>
             </a:r>
             <a:r>
               <a:rPr lang="en-US" altLang="ko-KR" dirty="0"/>
-              <a:t> </a:t>
-            </a:r>
-            <a:r>
-              <a:rPr lang="en-US" altLang="ko-KR" dirty="0" smtClean="0"/>
-              <a:t>= 3, j = 0 ~ 8</a:t>
+              <a:t> = 3, j = 0 ~ 8</a:t>
             </a:r>
             <a:endParaRPr lang="ko-KR" altLang="en-US" dirty="0"/>
           </a:p>
@@ -3656,16 +3624,12 @@
           <a:lstStyle/>
           <a:p>
             <a:r>
-              <a:rPr lang="en-US" altLang="ko-KR" dirty="0" err="1" smtClean="0"/>
+              <a:rPr lang="en-US" altLang="ko-KR" dirty="0" err="1"/>
               <a:t>i</a:t>
             </a:r>
             <a:r>
               <a:rPr lang="en-US" altLang="ko-KR" dirty="0"/>
-              <a:t> </a:t>
-            </a:r>
-            <a:r>
-              <a:rPr lang="en-US" altLang="ko-KR" dirty="0" smtClean="0"/>
-              <a:t>= 6, j = 0 ~ 8</a:t>
+              <a:t> = 6, j = 0 ~ 8</a:t>
             </a:r>
             <a:endParaRPr lang="ko-KR" altLang="en-US" dirty="0"/>
           </a:p>
@@ -3694,16 +3658,12 @@
           <a:lstStyle/>
           <a:p>
             <a:r>
-              <a:rPr lang="en-US" altLang="ko-KR" dirty="0" err="1" smtClean="0"/>
+              <a:rPr lang="en-US" altLang="ko-KR" dirty="0" err="1"/>
               <a:t>i</a:t>
             </a:r>
             <a:r>
               <a:rPr lang="en-US" altLang="ko-KR" dirty="0"/>
-              <a:t> </a:t>
-            </a:r>
-            <a:r>
-              <a:rPr lang="en-US" altLang="ko-KR" dirty="0" smtClean="0"/>
-              <a:t>= 4, j = 0 ~ 8</a:t>
+              <a:t> = 4, j = 0 ~ 8</a:t>
             </a:r>
             <a:endParaRPr lang="ko-KR" altLang="en-US" dirty="0"/>
           </a:p>
@@ -3732,16 +3692,12 @@
           <a:lstStyle/>
           <a:p>
             <a:r>
-              <a:rPr lang="en-US" altLang="ko-KR" dirty="0" err="1" smtClean="0"/>
+              <a:rPr lang="en-US" altLang="ko-KR" dirty="0" err="1"/>
               <a:t>i</a:t>
             </a:r>
             <a:r>
               <a:rPr lang="en-US" altLang="ko-KR" dirty="0"/>
-              <a:t> </a:t>
-            </a:r>
-            <a:r>
-              <a:rPr lang="en-US" altLang="ko-KR" dirty="0" smtClean="0"/>
-              <a:t>= 5, j = 0 ~ 8</a:t>
+              <a:t> = 5, j = 0 ~ 8</a:t>
             </a:r>
             <a:endParaRPr lang="ko-KR" altLang="en-US" dirty="0"/>
           </a:p>
@@ -3770,16 +3726,12 @@
           <a:lstStyle/>
           <a:p>
             <a:r>
-              <a:rPr lang="en-US" altLang="ko-KR" dirty="0" err="1" smtClean="0"/>
+              <a:rPr lang="en-US" altLang="ko-KR" dirty="0" err="1"/>
               <a:t>i</a:t>
             </a:r>
             <a:r>
               <a:rPr lang="en-US" altLang="ko-KR" dirty="0"/>
-              <a:t> </a:t>
-            </a:r>
-            <a:r>
-              <a:rPr lang="en-US" altLang="ko-KR" dirty="0" smtClean="0"/>
-              <a:t>= 7, j = 0 ~ 8</a:t>
+              <a:t> = 7, j = 0 ~ 8</a:t>
             </a:r>
             <a:endParaRPr lang="ko-KR" altLang="en-US" dirty="0"/>
           </a:p>
@@ -3808,16 +3760,12 @@
           <a:lstStyle/>
           <a:p>
             <a:r>
-              <a:rPr lang="en-US" altLang="ko-KR" dirty="0" err="1" smtClean="0"/>
+              <a:rPr lang="en-US" altLang="ko-KR" dirty="0" err="1"/>
               <a:t>i</a:t>
             </a:r>
             <a:r>
               <a:rPr lang="en-US" altLang="ko-KR" dirty="0"/>
-              <a:t> </a:t>
-            </a:r>
-            <a:r>
-              <a:rPr lang="en-US" altLang="ko-KR" dirty="0" smtClean="0"/>
-              <a:t>= 8, j = 0 ~ 8</a:t>
+              <a:t> = 8, j = 0 ~ 8</a:t>
             </a:r>
             <a:endParaRPr lang="ko-KR" altLang="en-US" dirty="0"/>
           </a:p>
@@ -3996,28 +3944,28 @@
           <a:lstStyle/>
           <a:p>
             <a:r>
-              <a:rPr lang="ko-KR" altLang="en-US" dirty="0" smtClean="0">
+              <a:rPr lang="ko-KR" altLang="en-US" dirty="0">
                 <a:latin typeface="에스코어 드림 4 Regular" panose="020B0503030302020204" pitchFamily="34" charset="-127"/>
                 <a:ea typeface="에스코어 드림 4 Regular" panose="020B0503030302020204" pitchFamily="34" charset="-127"/>
               </a:rPr>
               <a:t>디자인 패턴 </a:t>
             </a:r>
             <a:r>
-              <a:rPr lang="en-US" altLang="ko-KR" dirty="0" smtClean="0">
+              <a:rPr lang="en-US" altLang="ko-KR" dirty="0">
                 <a:latin typeface="에스코어 드림 4 Regular" panose="020B0503030302020204" pitchFamily="34" charset="-127"/>
                 <a:ea typeface="에스코어 드림 4 Regular" panose="020B0503030302020204" pitchFamily="34" charset="-127"/>
               </a:rPr>
               <a:t>– </a:t>
             </a:r>
             <a:r>
-              <a:rPr lang="ko-KR" altLang="en-US" dirty="0" smtClean="0">
+              <a:rPr lang="ko-KR" altLang="en-US" dirty="0">
                 <a:latin typeface="에스코어 드림 4 Regular" panose="020B0503030302020204" pitchFamily="34" charset="-127"/>
                 <a:ea typeface="에스코어 드림 4 Regular" panose="020B0503030302020204" pitchFamily="34" charset="-127"/>
               </a:rPr>
               <a:t>더블 </a:t>
             </a:r>
             <a:r>
-              <a:rPr lang="ko-KR" altLang="en-US" dirty="0" err="1" smtClean="0">
+              <a:rPr lang="ko-KR" altLang="en-US" dirty="0" err="1">
                 <a:latin typeface="에스코어 드림 4 Regular" panose="020B0503030302020204" pitchFamily="34" charset="-127"/>
                 <a:ea typeface="에스코어 드림 4 Regular" panose="020B0503030302020204" pitchFamily="34" charset="-127"/>
               </a:rPr>
@@ -4053,41 +4001,41 @@
           <a:lstStyle/>
           <a:p>
             <a:r>
-              <a:rPr lang="ko-KR" altLang="en-US" dirty="0" smtClean="0">
+              <a:rPr lang="ko-KR" altLang="en-US" dirty="0">
                 <a:latin typeface="에스코어 드림 4 Regular" panose="020B0503030302020204" pitchFamily="34" charset="-127"/>
                 <a:ea typeface="에스코어 드림 4 Regular" panose="020B0503030302020204" pitchFamily="34" charset="-127"/>
               </a:rPr>
               <a:t>더블버퍼링을 안했을 때의 문제</a:t>
             </a:r>
             <a:r>
-              <a:rPr lang="en-US" altLang="ko-KR" dirty="0" smtClean="0">
+              <a:rPr lang="en-US" altLang="ko-KR" dirty="0">
                 <a:latin typeface="에스코어 드림 4 Regular" panose="020B0503030302020204" pitchFamily="34" charset="-127"/>
                 <a:ea typeface="에스코어 드림 4 Regular" panose="020B0503030302020204" pitchFamily="34" charset="-127"/>
               </a:rPr>
               <a:t>. : </a:t>
             </a:r>
             <a:r>
-              <a:rPr lang="ko-KR" altLang="en-US" dirty="0" smtClean="0">
+              <a:rPr lang="ko-KR" altLang="en-US" dirty="0">
                 <a:latin typeface="에스코어 드림 4 Regular" panose="020B0503030302020204" pitchFamily="34" charset="-127"/>
                 <a:ea typeface="에스코어 드림 4 Regular" panose="020B0503030302020204" pitchFamily="34" charset="-127"/>
               </a:rPr>
               <a:t>깜빡 </a:t>
             </a:r>
             <a:r>
-              <a:rPr lang="ko-KR" altLang="en-US" dirty="0" err="1" smtClean="0">
+              <a:rPr lang="ko-KR" altLang="en-US" dirty="0" err="1">
                 <a:latin typeface="에스코어 드림 4 Regular" panose="020B0503030302020204" pitchFamily="34" charset="-127"/>
                 <a:ea typeface="에스코어 드림 4 Regular" panose="020B0503030302020204" pitchFamily="34" charset="-127"/>
               </a:rPr>
               <a:t>거림</a:t>
             </a:r>
             <a:r>
-              <a:rPr lang="ko-KR" altLang="en-US" dirty="0" smtClean="0">
+              <a:rPr lang="ko-KR" altLang="en-US" dirty="0">
                 <a:latin typeface="에스코어 드림 4 Regular" panose="020B0503030302020204" pitchFamily="34" charset="-127"/>
                 <a:ea typeface="에스코어 드림 4 Regular" panose="020B0503030302020204" pitchFamily="34" charset="-127"/>
               </a:rPr>
               <a:t> 발생</a:t>
             </a:r>
-            <a:endParaRPr lang="en-US" altLang="ko-KR" dirty="0" smtClean="0">
+            <a:endParaRPr lang="en-US" altLang="ko-KR" dirty="0">
               <a:latin typeface="에스코어 드림 4 Regular" panose="020B0503030302020204" pitchFamily="34" charset="-127"/>
               <a:ea typeface="에스코어 드림 4 Regular" panose="020B0503030302020204" pitchFamily="34" charset="-127"/>
             </a:endParaRPr>
@@ -4135,7 +4083,7 @@
               <a:t>깜빡거릴까</a:t>
             </a:r>
             <a:r>
-              <a:rPr lang="en-US" altLang="ko-KR" dirty="0" smtClean="0"/>
+              <a:rPr lang="en-US" altLang="ko-KR" dirty="0"/>
               <a:t>?</a:t>
             </a:r>
           </a:p>
@@ -4144,35 +4092,35 @@
           </a:p>
           <a:p>
             <a:r>
-              <a:rPr lang="en-US" altLang="ko-KR" dirty="0" smtClean="0"/>
+              <a:rPr lang="en-US" altLang="ko-KR" dirty="0"/>
               <a:t>Windows API</a:t>
             </a:r>
             <a:r>
-              <a:rPr lang="ko-KR" altLang="en-US" dirty="0" smtClean="0"/>
+              <a:rPr lang="ko-KR" altLang="en-US" dirty="0"/>
               <a:t>는 아무것도 없는 상태에서  </a:t>
             </a:r>
             <a:r>
-              <a:rPr lang="en-US" altLang="ko-KR" dirty="0" smtClean="0"/>
+              <a:rPr lang="en-US" altLang="ko-KR" dirty="0"/>
               <a:t>(</a:t>
             </a:r>
             <a:r>
-              <a:rPr lang="ko-KR" altLang="en-US" dirty="0" smtClean="0"/>
+              <a:rPr lang="ko-KR" altLang="en-US" dirty="0"/>
               <a:t>공백의 상태</a:t>
             </a:r>
             <a:r>
-              <a:rPr lang="en-US" altLang="ko-KR" dirty="0" smtClean="0"/>
+              <a:rPr lang="en-US" altLang="ko-KR" dirty="0"/>
               <a:t>)</a:t>
             </a:r>
             <a:r>
-              <a:rPr lang="ko-KR" altLang="en-US" dirty="0" smtClean="0"/>
+              <a:rPr lang="ko-KR" altLang="en-US" dirty="0"/>
               <a:t>에서 모든걸 새로 </a:t>
             </a:r>
             <a:r>
-              <a:rPr lang="ko-KR" altLang="en-US" dirty="0" err="1" smtClean="0"/>
+              <a:rPr lang="ko-KR" altLang="en-US" dirty="0" err="1"/>
               <a:t>구현해야합니다</a:t>
             </a:r>
             <a:r>
-              <a:rPr lang="en-US" altLang="ko-KR" dirty="0" smtClean="0"/>
+              <a:rPr lang="en-US" altLang="ko-KR" dirty="0"/>
               <a:t>.</a:t>
             </a:r>
           </a:p>
@@ -4180,108 +4128,96 @@
             <a:endParaRPr lang="en-US" altLang="ko-KR" dirty="0"/>
           </a:p>
           <a:p>
-            <a:r>
-              <a:rPr lang="en-US" altLang="ko-KR" dirty="0" smtClean="0">
-                <a:solidFill>
-                  <a:srgbClr val="C00000"/>
-                </a:solidFill>
-              </a:rPr>
-              <a:t>[</a:t>
-            </a:r>
-            <a:r>
-              <a:rPr lang="en-US" altLang="ko-KR" dirty="0" err="1" smtClean="0">
-                <a:solidFill>
-                  <a:srgbClr val="C00000"/>
-                </a:solidFill>
-              </a:rPr>
-              <a:t>InvalidateRect</a:t>
-            </a:r>
-            <a:r>
-              <a:rPr lang="ko-KR" altLang="en-US" dirty="0" smtClean="0">
-                <a:solidFill>
-                  <a:srgbClr val="C00000"/>
-                </a:solidFill>
-              </a:rPr>
-              <a:t>함수 </a:t>
-            </a:r>
-            <a:r>
-              <a:rPr lang="en-US" altLang="ko-KR" dirty="0" smtClean="0">
-                <a:solidFill>
-                  <a:srgbClr val="C00000"/>
-                </a:solidFill>
-              </a:rPr>
-              <a:t>:</a:t>
-            </a:r>
             <a:r>
               <a:rPr lang="en-US" altLang="ko-KR" dirty="0">
                 <a:solidFill>
                   <a:srgbClr val="C00000"/>
                 </a:solidFill>
               </a:rPr>
-              <a:t> </a:t>
-            </a:r>
-            <a:r>
-              <a:rPr lang="ko-KR" altLang="en-US" dirty="0" smtClean="0">
+              <a:t>[</a:t>
+            </a:r>
+            <a:r>
+              <a:rPr lang="en-US" altLang="ko-KR" dirty="0" err="1">
                 <a:solidFill>
                   <a:srgbClr val="C00000"/>
                 </a:solidFill>
               </a:rPr>
-              <a:t>화면 다시 그리기</a:t>
-            </a:r>
-            <a:r>
-              <a:rPr lang="en-US" altLang="ko-KR" dirty="0" smtClean="0">
+              <a:t>InvalidateRect</a:t>
+            </a:r>
+            <a:r>
+              <a:rPr lang="ko-KR" altLang="en-US" dirty="0">
                 <a:solidFill>
                   <a:srgbClr val="C00000"/>
                 </a:solidFill>
               </a:rPr>
-              <a:t>.]</a:t>
-            </a:r>
-          </a:p>
-          <a:p>
-            <a:r>
-              <a:rPr lang="fr-FR" altLang="ko-KR" dirty="0"/>
-              <a:t>::InvalidateRect(_hWnd, NULL, true</a:t>
-            </a:r>
-            <a:r>
-              <a:rPr lang="fr-FR" altLang="ko-KR" dirty="0" smtClean="0"/>
-              <a:t>);</a:t>
-            </a:r>
-          </a:p>
-          <a:p>
-            <a:r>
-              <a:rPr lang="fr-FR" altLang="ko-KR" dirty="0" smtClean="0">
+              <a:t>함수 </a:t>
+            </a:r>
+            <a:r>
+              <a:rPr lang="en-US" altLang="ko-KR" dirty="0">
                 <a:solidFill>
                   <a:srgbClr val="C00000"/>
                 </a:solidFill>
               </a:rPr>
-              <a:t>(</a:t>
-            </a:r>
-            <a:r>
-              <a:rPr lang="ko-KR" altLang="en-US" dirty="0" smtClean="0">
+              <a:t>: </a:t>
+            </a:r>
+            <a:r>
+              <a:rPr lang="ko-KR" altLang="en-US" dirty="0">
                 <a:solidFill>
                   <a:srgbClr val="C00000"/>
                 </a:solidFill>
               </a:rPr>
-              <a:t>전체 화면을 모두 지우고</a:t>
-            </a:r>
-            <a:r>
-              <a:rPr lang="en-US" altLang="ko-KR" dirty="0" smtClean="0">
+              <a:t>화면 다시 그리기</a:t>
+            </a:r>
+            <a:r>
+              <a:rPr lang="en-US" altLang="ko-KR" dirty="0">
                 <a:solidFill>
                   <a:srgbClr val="C00000"/>
                 </a:solidFill>
               </a:rPr>
-              <a:t>, </a:t>
-            </a:r>
-            <a:r>
-              <a:rPr lang="ko-KR" altLang="en-US" dirty="0" smtClean="0">
+              <a:t>.]</a:t>
+            </a:r>
+          </a:p>
+          <a:p>
+            <a:r>
+              <a:rPr lang="fr-FR" altLang="ko-KR" dirty="0"/>
+              <a:t>::InvalidateRect(_hWnd, NULL, true);</a:t>
+            </a:r>
+          </a:p>
+          <a:p>
+            <a:r>
+              <a:rPr lang="fr-FR" altLang="ko-KR" dirty="0">
                 <a:solidFill>
                   <a:srgbClr val="C00000"/>
                 </a:solidFill>
               </a:rPr>
+              <a:t>(</a:t>
+            </a:r>
+            <a:r>
+              <a:rPr lang="ko-KR" altLang="en-US" dirty="0">
+                <a:solidFill>
+                  <a:srgbClr val="C00000"/>
+                </a:solidFill>
+              </a:rPr>
+              <a:t>전체 화면을 모두 지우고</a:t>
+            </a:r>
+            <a:r>
+              <a:rPr lang="en-US" altLang="ko-KR" dirty="0">
+                <a:solidFill>
+                  <a:srgbClr val="C00000"/>
+                </a:solidFill>
+              </a:rPr>
+              <a:t>, </a:t>
+            </a:r>
+            <a:r>
+              <a:rPr lang="ko-KR" altLang="en-US" dirty="0">
+                <a:solidFill>
+                  <a:srgbClr val="C00000"/>
+                </a:solidFill>
+              </a:rPr>
               <a:t>다시 그려라</a:t>
             </a:r>
             <a:r>
-              <a:rPr lang="en-US" altLang="ko-KR" dirty="0" smtClean="0">
+              <a:rPr lang="en-US" altLang="ko-KR" dirty="0">
                 <a:solidFill>
                   <a:srgbClr val="C00000"/>
                 </a:solidFill>
@@ -4298,42 +4234,42 @@
           </a:p>
           <a:p>
             <a:r>
-              <a:rPr lang="fr-FR" altLang="ko-KR" dirty="0" smtClean="0"/>
+              <a:rPr lang="fr-FR" altLang="ko-KR" dirty="0"/>
               <a:t>WM_PAINT &lt;&lt; </a:t>
             </a:r>
             <a:r>
-              <a:rPr lang="ko-KR" altLang="en-US" dirty="0" smtClean="0"/>
+              <a:rPr lang="ko-KR" altLang="en-US" dirty="0"/>
               <a:t>화면을 그리는 코드</a:t>
             </a:r>
-            <a:endParaRPr lang="en-US" altLang="ko-KR" dirty="0" smtClean="0"/>
-          </a:p>
-          <a:p>
-            <a:endParaRPr lang="en-US" altLang="ko-KR" dirty="0" smtClean="0"/>
-          </a:p>
-          <a:p>
             <a:endParaRPr lang="en-US" altLang="ko-KR" dirty="0"/>
           </a:p>
           <a:p>
-            <a:r>
-              <a:rPr lang="ko-KR" altLang="en-US" dirty="0" smtClean="0"/>
+            <a:endParaRPr lang="en-US" altLang="ko-KR" dirty="0"/>
+          </a:p>
+          <a:p>
+            <a:endParaRPr lang="en-US" altLang="ko-KR" dirty="0"/>
+          </a:p>
+          <a:p>
+            <a:r>
+              <a:rPr lang="ko-KR" altLang="en-US" dirty="0"/>
               <a:t>그리는 중인데</a:t>
             </a:r>
             <a:r>
-              <a:rPr lang="en-US" altLang="ko-KR" dirty="0" smtClean="0"/>
+              <a:rPr lang="en-US" altLang="ko-KR" dirty="0"/>
               <a:t>, </a:t>
             </a:r>
             <a:r>
-              <a:rPr lang="ko-KR" altLang="en-US" dirty="0" err="1" smtClean="0"/>
+              <a:rPr lang="ko-KR" altLang="en-US" dirty="0" err="1"/>
               <a:t>다시그리라고</a:t>
             </a:r>
             <a:r>
-              <a:rPr lang="ko-KR" altLang="en-US" dirty="0" smtClean="0"/>
+              <a:rPr lang="ko-KR" altLang="en-US" dirty="0"/>
               <a:t> 명령이 들어옴</a:t>
             </a:r>
-            <a:endParaRPr lang="en-US" altLang="ko-KR" dirty="0" smtClean="0"/>
-          </a:p>
-          <a:p>
-            <a:endParaRPr lang="en-US" altLang="ko-KR" dirty="0" smtClean="0"/>
+            <a:endParaRPr lang="en-US" altLang="ko-KR" dirty="0"/>
+          </a:p>
+          <a:p>
+            <a:endParaRPr lang="en-US" altLang="ko-KR" dirty="0"/>
           </a:p>
         </p:txBody>
       </p:sp>
@@ -4453,7 +4389,7 @@
           <a:p>
             <a:pPr algn="ctr"/>
             <a:r>
-              <a:rPr lang="en-US" altLang="ko-KR" dirty="0" smtClean="0"/>
+              <a:rPr lang="en-US" altLang="ko-KR" dirty="0"/>
               <a:t>WM_PAINT</a:t>
             </a:r>
             <a:endParaRPr lang="ko-KR" altLang="en-US" dirty="0"/>
@@ -4533,10 +4469,9 @@
           </a:lstStyle>
           <a:p>
             <a:r>
-              <a:rPr lang="ko-KR" altLang="en-US" dirty="0" smtClean="0"/>
+              <a:rPr lang="ko-KR" altLang="en-US" dirty="0"/>
               <a:t>화면 구성</a:t>
             </a:r>
-            <a:endParaRPr lang="ko-KR" altLang="en-US" dirty="0"/>
           </a:p>
         </p:txBody>
       </p:sp>
@@ -4563,7 +4498,7 @@
           <a:lstStyle/>
           <a:p>
             <a:r>
-              <a:rPr lang="en-US" altLang="ko-KR" dirty="0" smtClean="0"/>
+              <a:rPr lang="en-US" altLang="ko-KR" dirty="0"/>
               <a:t>1*1 = 1</a:t>
             </a:r>
             <a:endParaRPr lang="ko-KR" altLang="en-US" dirty="0"/>
@@ -4593,7 +4528,7 @@
           <a:lstStyle/>
           <a:p>
             <a:r>
-              <a:rPr lang="en-US" altLang="ko-KR" dirty="0" smtClean="0"/>
+              <a:rPr lang="en-US" altLang="ko-KR" dirty="0"/>
               <a:t>9*9 = 81</a:t>
             </a:r>
             <a:endParaRPr lang="ko-KR" altLang="en-US" dirty="0"/>
@@ -4637,7 +4572,7 @@
           <a:p>
             <a:pPr algn="ctr"/>
             <a:r>
-              <a:rPr lang="en-US" altLang="ko-KR" dirty="0" smtClean="0"/>
+              <a:rPr lang="en-US" altLang="ko-KR" dirty="0"/>
               <a:t>WM_KEYDOWN</a:t>
             </a:r>
             <a:endParaRPr lang="ko-KR" altLang="en-US" dirty="0"/>
@@ -4681,7 +4616,7 @@
           <a:p>
             <a:pPr algn="ctr"/>
             <a:r>
-              <a:rPr lang="en-US" altLang="ko-KR" dirty="0" smtClean="0"/>
+              <a:rPr lang="en-US" altLang="ko-KR" dirty="0"/>
               <a:t>WM_PAINT</a:t>
             </a:r>
             <a:endParaRPr lang="ko-KR" altLang="en-US" dirty="0"/>
@@ -4711,7 +4646,7 @@
           <a:lstStyle/>
           <a:p>
             <a:r>
-              <a:rPr lang="en-US" altLang="ko-KR" dirty="0" smtClean="0"/>
+              <a:rPr lang="en-US" altLang="ko-KR" dirty="0"/>
               <a:t>5*1 = 5</a:t>
             </a:r>
             <a:endParaRPr lang="ko-KR" altLang="en-US" dirty="0"/>
@@ -4771,28 +4706,28 @@
           <a:lstStyle/>
           <a:p>
             <a:r>
-              <a:rPr lang="ko-KR" altLang="en-US" dirty="0" smtClean="0">
+              <a:rPr lang="ko-KR" altLang="en-US" dirty="0">
                 <a:latin typeface="에스코어 드림 4 Regular" panose="020B0503030302020204" pitchFamily="34" charset="-127"/>
                 <a:ea typeface="에스코어 드림 4 Regular" panose="020B0503030302020204" pitchFamily="34" charset="-127"/>
               </a:rPr>
               <a:t>디자인 패턴 </a:t>
             </a:r>
             <a:r>
-              <a:rPr lang="en-US" altLang="ko-KR" dirty="0" smtClean="0">
+              <a:rPr lang="en-US" altLang="ko-KR" dirty="0">
                 <a:latin typeface="에스코어 드림 4 Regular" panose="020B0503030302020204" pitchFamily="34" charset="-127"/>
                 <a:ea typeface="에스코어 드림 4 Regular" panose="020B0503030302020204" pitchFamily="34" charset="-127"/>
               </a:rPr>
               <a:t>– </a:t>
             </a:r>
             <a:r>
-              <a:rPr lang="ko-KR" altLang="en-US" dirty="0" smtClean="0">
+              <a:rPr lang="ko-KR" altLang="en-US" dirty="0">
                 <a:latin typeface="에스코어 드림 4 Regular" panose="020B0503030302020204" pitchFamily="34" charset="-127"/>
                 <a:ea typeface="에스코어 드림 4 Regular" panose="020B0503030302020204" pitchFamily="34" charset="-127"/>
               </a:rPr>
               <a:t>더블 </a:t>
             </a:r>
             <a:r>
-              <a:rPr lang="ko-KR" altLang="en-US" dirty="0" err="1" smtClean="0">
+              <a:rPr lang="ko-KR" altLang="en-US" dirty="0" err="1">
                 <a:latin typeface="에스코어 드림 4 Regular" panose="020B0503030302020204" pitchFamily="34" charset="-127"/>
                 <a:ea typeface="에스코어 드림 4 Regular" panose="020B0503030302020204" pitchFamily="34" charset="-127"/>
               </a:rPr>
@@ -4828,14 +4763,14 @@
           <a:lstStyle/>
           <a:p>
             <a:r>
-              <a:rPr lang="ko-KR" altLang="en-US" dirty="0" smtClean="0">
+              <a:rPr lang="ko-KR" altLang="en-US" dirty="0">
                 <a:latin typeface="에스코어 드림 4 Regular" panose="020B0503030302020204" pitchFamily="34" charset="-127"/>
                 <a:ea typeface="에스코어 드림 4 Regular" panose="020B0503030302020204" pitchFamily="34" charset="-127"/>
               </a:rPr>
               <a:t>어떻게 해야할까</a:t>
             </a:r>
             <a:r>
-              <a:rPr lang="en-US" altLang="ko-KR" dirty="0" smtClean="0">
+              <a:rPr lang="en-US" altLang="ko-KR" dirty="0">
                 <a:latin typeface="에스코어 드림 4 Regular" panose="020B0503030302020204" pitchFamily="34" charset="-127"/>
                 <a:ea typeface="에스코어 드림 4 Regular" panose="020B0503030302020204" pitchFamily="34" charset="-127"/>
               </a:rPr>
@@ -4850,48 +4785,12 @@
           </a:p>
           <a:p>
             <a:r>
-              <a:rPr lang="ko-KR" altLang="en-US" dirty="0" smtClean="0">
+              <a:rPr lang="ko-KR" altLang="en-US" dirty="0">
                 <a:latin typeface="에스코어 드림 4 Regular" panose="020B0503030302020204" pitchFamily="34" charset="-127"/>
                 <a:ea typeface="에스코어 드림 4 Regular" panose="020B0503030302020204" pitchFamily="34" charset="-127"/>
               </a:rPr>
               <a:t>유저에게 보이지 않는 화면에 그림을 다 그리고</a:t>
             </a:r>
-            <a:endParaRPr lang="en-US" altLang="ko-KR" dirty="0" smtClean="0">
-              <a:latin typeface="에스코어 드림 4 Regular" panose="020B0503030302020204" pitchFamily="34" charset="-127"/>
-              <a:ea typeface="에스코어 드림 4 Regular" panose="020B0503030302020204" pitchFamily="34" charset="-127"/>
-            </a:endParaRPr>
-          </a:p>
-          <a:p>
-            <a:r>
-              <a:rPr lang="ko-KR" altLang="en-US" dirty="0" smtClean="0">
-                <a:latin typeface="에스코어 드림 4 Regular" panose="020B0503030302020204" pitchFamily="34" charset="-127"/>
-                <a:ea typeface="에스코어 드림 4 Regular" panose="020B0503030302020204" pitchFamily="34" charset="-127"/>
-              </a:rPr>
-              <a:t>보이지 </a:t>
-            </a:r>
-            <a:r>
-              <a:rPr lang="ko-KR" altLang="en-US" dirty="0" err="1" smtClean="0">
-                <a:latin typeface="에스코어 드림 4 Regular" panose="020B0503030302020204" pitchFamily="34" charset="-127"/>
-                <a:ea typeface="에스코어 드림 4 Regular" panose="020B0503030302020204" pitchFamily="34" charset="-127"/>
-              </a:rPr>
-              <a:t>않는화면을</a:t>
-            </a:r>
-            <a:r>
-              <a:rPr lang="ko-KR" altLang="en-US" dirty="0" smtClean="0">
-                <a:latin typeface="에스코어 드림 4 Regular" panose="020B0503030302020204" pitchFamily="34" charset="-127"/>
-                <a:ea typeface="에스코어 드림 4 Regular" panose="020B0503030302020204" pitchFamily="34" charset="-127"/>
-              </a:rPr>
-              <a:t> 유저에게 보이는 화면으로 고속 복사한다</a:t>
-            </a:r>
-            <a:r>
-              <a:rPr lang="en-US" altLang="ko-KR" dirty="0" smtClean="0">
-                <a:latin typeface="에스코어 드림 4 Regular" panose="020B0503030302020204" pitchFamily="34" charset="-127"/>
-                <a:ea typeface="에스코어 드림 4 Regular" panose="020B0503030302020204" pitchFamily="34" charset="-127"/>
-              </a:rPr>
-              <a:t>.</a:t>
-            </a:r>
-          </a:p>
-          <a:p>
             <a:endParaRPr lang="en-US" altLang="ko-KR" dirty="0">
               <a:latin typeface="에스코어 드림 4 Regular" panose="020B0503030302020204" pitchFamily="34" charset="-127"/>
               <a:ea typeface="에스코어 드림 4 Regular" panose="020B0503030302020204" pitchFamily="34" charset="-127"/>
@@ -4899,51 +4798,83 @@
           </a:p>
           <a:p>
             <a:r>
-              <a:rPr lang="ko-KR" altLang="en-US" dirty="0" smtClean="0">
-                <a:latin typeface="에스코어 드림 4 Regular" panose="020B0503030302020204" pitchFamily="34" charset="-127"/>
-                <a:ea typeface="에스코어 드림 4 Regular" panose="020B0503030302020204" pitchFamily="34" charset="-127"/>
-              </a:rPr>
-              <a:t>고속 복사가 끝나고 이제 다시 </a:t>
-            </a:r>
-            <a:r>
-              <a:rPr lang="en-US" altLang="ko-KR" dirty="0" smtClean="0">
-                <a:latin typeface="에스코어 드림 4 Regular" panose="020B0503030302020204" pitchFamily="34" charset="-127"/>
-                <a:ea typeface="에스코어 드림 4 Regular" panose="020B0503030302020204" pitchFamily="34" charset="-127"/>
-              </a:rPr>
-              <a:t>Update,</a:t>
-            </a:r>
-            <a:r>
-              <a:rPr lang="ko-KR" altLang="en-US" dirty="0" smtClean="0">
-                <a:latin typeface="에스코어 드림 4 Regular" panose="020B0503030302020204" pitchFamily="34" charset="-127"/>
-                <a:ea typeface="에스코어 드림 4 Regular" panose="020B0503030302020204" pitchFamily="34" charset="-127"/>
-              </a:rPr>
-              <a:t> </a:t>
-            </a:r>
-            <a:r>
-              <a:rPr lang="en-US" altLang="ko-KR" dirty="0" smtClean="0">
-                <a:latin typeface="에스코어 드림 4 Regular" panose="020B0503030302020204" pitchFamily="34" charset="-127"/>
-                <a:ea typeface="에스코어 드림 4 Regular" panose="020B0503030302020204" pitchFamily="34" charset="-127"/>
-              </a:rPr>
-              <a:t>Render</a:t>
-            </a:r>
-            <a:r>
-              <a:rPr lang="ko-KR" altLang="en-US" dirty="0" smtClean="0">
-                <a:latin typeface="에스코어 드림 4 Regular" panose="020B0503030302020204" pitchFamily="34" charset="-127"/>
-                <a:ea typeface="에스코어 드림 4 Regular" panose="020B0503030302020204" pitchFamily="34" charset="-127"/>
-              </a:rPr>
-              <a:t>를 시작한다</a:t>
-            </a:r>
-            <a:r>
-              <a:rPr lang="en-US" altLang="ko-KR" dirty="0" smtClean="0">
+              <a:rPr lang="ko-KR" altLang="en-US" dirty="0">
+                <a:latin typeface="에스코어 드림 4 Regular" panose="020B0503030302020204" pitchFamily="34" charset="-127"/>
+                <a:ea typeface="에스코어 드림 4 Regular" panose="020B0503030302020204" pitchFamily="34" charset="-127"/>
+              </a:rPr>
+              <a:t>보이지 </a:t>
+            </a:r>
+            <a:r>
+              <a:rPr lang="ko-KR" altLang="en-US" dirty="0" err="1">
+                <a:latin typeface="에스코어 드림 4 Regular" panose="020B0503030302020204" pitchFamily="34" charset="-127"/>
+                <a:ea typeface="에스코어 드림 4 Regular" panose="020B0503030302020204" pitchFamily="34" charset="-127"/>
+              </a:rPr>
+              <a:t>않는화면을</a:t>
+            </a:r>
+            <a:r>
+              <a:rPr lang="ko-KR" altLang="en-US" dirty="0">
+                <a:latin typeface="에스코어 드림 4 Regular" panose="020B0503030302020204" pitchFamily="34" charset="-127"/>
+                <a:ea typeface="에스코어 드림 4 Regular" panose="020B0503030302020204" pitchFamily="34" charset="-127"/>
+              </a:rPr>
+              <a:t> 유저에게 보이는 화면으로 고속 복사한다</a:t>
+            </a:r>
+            <a:r>
+              <a:rPr lang="en-US" altLang="ko-KR" dirty="0">
                 <a:latin typeface="에스코어 드림 4 Regular" panose="020B0503030302020204" pitchFamily="34" charset="-127"/>
                 <a:ea typeface="에스코어 드림 4 Regular" panose="020B0503030302020204" pitchFamily="34" charset="-127"/>
               </a:rPr>
               <a:t>.</a:t>
             </a:r>
+          </a:p>
+          <a:p>
             <a:endParaRPr lang="en-US" altLang="ko-KR" dirty="0">
               <a:latin typeface="에스코어 드림 4 Regular" panose="020B0503030302020204" pitchFamily="34" charset="-127"/>
               <a:ea typeface="에스코어 드림 4 Regular" panose="020B0503030302020204" pitchFamily="34" charset="-127"/>
             </a:endParaRPr>
+          </a:p>
+          <a:p>
+            <a:r>
+              <a:rPr lang="ko-KR" altLang="en-US" dirty="0">
+                <a:latin typeface="에스코어 드림 4 Regular" panose="020B0503030302020204" pitchFamily="34" charset="-127"/>
+                <a:ea typeface="에스코어 드림 4 Regular" panose="020B0503030302020204" pitchFamily="34" charset="-127"/>
+              </a:rPr>
+              <a:t>고속 복사가 끝나고 이제 다시 </a:t>
+            </a:r>
+            <a:r>
+              <a:rPr lang="en-US" altLang="ko-KR" dirty="0">
+                <a:latin typeface="에스코어 드림 4 Regular" panose="020B0503030302020204" pitchFamily="34" charset="-127"/>
+                <a:ea typeface="에스코어 드림 4 Regular" panose="020B0503030302020204" pitchFamily="34" charset="-127"/>
+              </a:rPr>
+              <a:t>Update,</a:t>
+            </a:r>
+            <a:r>
+              <a:rPr lang="ko-KR" altLang="en-US" dirty="0">
+                <a:latin typeface="에스코어 드림 4 Regular" panose="020B0503030302020204" pitchFamily="34" charset="-127"/>
+                <a:ea typeface="에스코어 드림 4 Regular" panose="020B0503030302020204" pitchFamily="34" charset="-127"/>
+              </a:rPr>
+              <a:t> </a:t>
+            </a:r>
+            <a:r>
+              <a:rPr lang="en-US" altLang="ko-KR" dirty="0">
+                <a:latin typeface="에스코어 드림 4 Regular" panose="020B0503030302020204" pitchFamily="34" charset="-127"/>
+                <a:ea typeface="에스코어 드림 4 Regular" panose="020B0503030302020204" pitchFamily="34" charset="-127"/>
+              </a:rPr>
+              <a:t>Render</a:t>
+            </a:r>
+            <a:r>
+              <a:rPr lang="ko-KR" altLang="en-US" dirty="0">
+                <a:latin typeface="에스코어 드림 4 Regular" panose="020B0503030302020204" pitchFamily="34" charset="-127"/>
+                <a:ea typeface="에스코어 드림 4 Regular" panose="020B0503030302020204" pitchFamily="34" charset="-127"/>
+              </a:rPr>
+              <a:t>를 시작한다</a:t>
+            </a:r>
+            <a:r>
+              <a:rPr lang="en-US" altLang="ko-KR" dirty="0">
+                <a:latin typeface="에스코어 드림 4 Regular" panose="020B0503030302020204" pitchFamily="34" charset="-127"/>
+                <a:ea typeface="에스코어 드림 4 Regular" panose="020B0503030302020204" pitchFamily="34" charset="-127"/>
+              </a:rPr>
+              <a:t>.</a:t>
+            </a:r>
           </a:p>
         </p:txBody>
       </p:sp>
@@ -5069,10 +5000,9 @@
           <a:p>
             <a:pPr algn="ctr"/>
             <a:r>
-              <a:rPr lang="ko-KR" altLang="en-US" dirty="0" smtClean="0"/>
+              <a:rPr lang="ko-KR" altLang="en-US" dirty="0"/>
               <a:t>유저에게 보이는 화면</a:t>
             </a:r>
-            <a:endParaRPr lang="ko-KR" altLang="en-US" dirty="0"/>
           </a:p>
         </p:txBody>
       </p:sp>
@@ -5110,10 +5040,9 @@
           <a:p>
             <a:pPr algn="ctr"/>
             <a:r>
-              <a:rPr lang="ko-KR" altLang="en-US" dirty="0" smtClean="0"/>
+              <a:rPr lang="ko-KR" altLang="en-US" dirty="0"/>
               <a:t>유저에게 보이지 않는 화면</a:t>
             </a:r>
-            <a:endParaRPr lang="ko-KR" altLang="en-US" dirty="0"/>
           </a:p>
         </p:txBody>
       </p:sp>
@@ -5745,28 +5674,28 @@
           <a:lstStyle/>
           <a:p>
             <a:r>
-              <a:rPr lang="ko-KR" altLang="en-US" dirty="0" smtClean="0">
+              <a:rPr lang="ko-KR" altLang="en-US" dirty="0">
                 <a:latin typeface="에스코어 드림 4 Regular" panose="020B0503030302020204" pitchFamily="34" charset="-127"/>
                 <a:ea typeface="에스코어 드림 4 Regular" panose="020B0503030302020204" pitchFamily="34" charset="-127"/>
               </a:rPr>
               <a:t>디자인 패턴 </a:t>
             </a:r>
             <a:r>
-              <a:rPr lang="en-US" altLang="ko-KR" dirty="0" smtClean="0">
+              <a:rPr lang="en-US" altLang="ko-KR" dirty="0">
                 <a:latin typeface="에스코어 드림 4 Regular" panose="020B0503030302020204" pitchFamily="34" charset="-127"/>
                 <a:ea typeface="에스코어 드림 4 Regular" panose="020B0503030302020204" pitchFamily="34" charset="-127"/>
               </a:rPr>
               <a:t>– </a:t>
             </a:r>
             <a:r>
-              <a:rPr lang="ko-KR" altLang="en-US" dirty="0" smtClean="0">
+              <a:rPr lang="ko-KR" altLang="en-US" dirty="0">
                 <a:latin typeface="에스코어 드림 4 Regular" panose="020B0503030302020204" pitchFamily="34" charset="-127"/>
                 <a:ea typeface="에스코어 드림 4 Regular" panose="020B0503030302020204" pitchFamily="34" charset="-127"/>
               </a:rPr>
               <a:t>더블 </a:t>
             </a:r>
             <a:r>
-              <a:rPr lang="ko-KR" altLang="en-US" dirty="0" err="1" smtClean="0">
+              <a:rPr lang="ko-KR" altLang="en-US" dirty="0" err="1">
                 <a:latin typeface="에스코어 드림 4 Regular" panose="020B0503030302020204" pitchFamily="34" charset="-127"/>
                 <a:ea typeface="에스코어 드림 4 Regular" panose="020B0503030302020204" pitchFamily="34" charset="-127"/>
               </a:rPr>
@@ -5802,81 +5731,104 @@
           <a:lstStyle/>
           <a:p>
             <a:r>
-              <a:rPr lang="en-US" altLang="ko-KR" dirty="0" smtClean="0">
+              <a:rPr lang="en-US" altLang="ko-KR" dirty="0">
                 <a:latin typeface="에스코어 드림 4 Regular" panose="020B0503030302020204" pitchFamily="34" charset="-127"/>
                 <a:ea typeface="에스코어 드림 4 Regular" panose="020B0503030302020204" pitchFamily="34" charset="-127"/>
               </a:rPr>
               <a:t>1</a:t>
             </a:r>
             <a:r>
-              <a:rPr lang="ko-KR" altLang="en-US" dirty="0" smtClean="0">
+              <a:rPr lang="ko-KR" altLang="en-US" dirty="0">
                 <a:latin typeface="에스코어 드림 4 Regular" panose="020B0503030302020204" pitchFamily="34" charset="-127"/>
                 <a:ea typeface="에스코어 드림 4 Regular" panose="020B0503030302020204" pitchFamily="34" charset="-127"/>
               </a:rPr>
               <a:t>초에 화면이 </a:t>
             </a:r>
             <a:r>
-              <a:rPr lang="ko-KR" altLang="en-US" dirty="0" err="1" smtClean="0">
+              <a:rPr lang="ko-KR" altLang="en-US" dirty="0" err="1">
                 <a:latin typeface="에스코어 드림 4 Regular" panose="020B0503030302020204" pitchFamily="34" charset="-127"/>
                 <a:ea typeface="에스코어 드림 4 Regular" panose="020B0503030302020204" pitchFamily="34" charset="-127"/>
               </a:rPr>
               <a:t>몇번</a:t>
             </a:r>
             <a:r>
-              <a:rPr lang="ko-KR" altLang="en-US" dirty="0" smtClean="0">
+              <a:rPr lang="ko-KR" altLang="en-US" dirty="0">
                 <a:latin typeface="에스코어 드림 4 Regular" panose="020B0503030302020204" pitchFamily="34" charset="-127"/>
                 <a:ea typeface="에스코어 드림 4 Regular" panose="020B0503030302020204" pitchFamily="34" charset="-127"/>
               </a:rPr>
               <a:t> </a:t>
             </a:r>
             <a:r>
-              <a:rPr lang="ko-KR" altLang="en-US" dirty="0" err="1" smtClean="0">
+              <a:rPr lang="ko-KR" altLang="en-US" dirty="0" err="1">
                 <a:latin typeface="에스코어 드림 4 Regular" panose="020B0503030302020204" pitchFamily="34" charset="-127"/>
                 <a:ea typeface="에스코어 드림 4 Regular" panose="020B0503030302020204" pitchFamily="34" charset="-127"/>
               </a:rPr>
               <a:t>변경될수</a:t>
             </a:r>
             <a:r>
-              <a:rPr lang="ko-KR" altLang="en-US" dirty="0" smtClean="0">
+              <a:rPr lang="ko-KR" altLang="en-US" dirty="0">
                 <a:latin typeface="에스코어 드림 4 Regular" panose="020B0503030302020204" pitchFamily="34" charset="-127"/>
                 <a:ea typeface="에스코어 드림 4 Regular" panose="020B0503030302020204" pitchFamily="34" charset="-127"/>
               </a:rPr>
               <a:t> 있냐</a:t>
             </a:r>
             <a:r>
-              <a:rPr lang="en-US" altLang="ko-KR" dirty="0" smtClean="0">
+              <a:rPr lang="en-US" altLang="ko-KR" dirty="0">
                 <a:latin typeface="에스코어 드림 4 Regular" panose="020B0503030302020204" pitchFamily="34" charset="-127"/>
                 <a:ea typeface="에스코어 드림 4 Regular" panose="020B0503030302020204" pitchFamily="34" charset="-127"/>
               </a:rPr>
               <a:t>? =&gt; </a:t>
             </a:r>
             <a:r>
-              <a:rPr lang="ko-KR" altLang="en-US" dirty="0" smtClean="0">
+              <a:rPr lang="ko-KR" altLang="en-US" dirty="0">
                 <a:latin typeface="에스코어 드림 4 Regular" panose="020B0503030302020204" pitchFamily="34" charset="-127"/>
                 <a:ea typeface="에스코어 드림 4 Regular" panose="020B0503030302020204" pitchFamily="34" charset="-127"/>
               </a:rPr>
               <a:t>화면이 </a:t>
             </a:r>
             <a:r>
-              <a:rPr lang="ko-KR" altLang="en-US" dirty="0" err="1" smtClean="0">
+              <a:rPr lang="ko-KR" altLang="en-US" dirty="0" err="1">
                 <a:latin typeface="에스코어 드림 4 Regular" panose="020B0503030302020204" pitchFamily="34" charset="-127"/>
                 <a:ea typeface="에스코어 드림 4 Regular" panose="020B0503030302020204" pitchFamily="34" charset="-127"/>
               </a:rPr>
               <a:t>변경되는걸</a:t>
             </a:r>
             <a:r>
-              <a:rPr lang="ko-KR" altLang="en-US" dirty="0" smtClean="0">
+              <a:rPr lang="ko-KR" altLang="en-US" dirty="0">
                 <a:latin typeface="에스코어 드림 4 Regular" panose="020B0503030302020204" pitchFamily="34" charset="-127"/>
                 <a:ea typeface="에스코어 드림 4 Regular" panose="020B0503030302020204" pitchFamily="34" charset="-127"/>
               </a:rPr>
               <a:t> </a:t>
             </a:r>
             <a:r>
-              <a:rPr lang="en-US" altLang="ko-KR" dirty="0" smtClean="0">
+              <a:rPr lang="en-US" altLang="ko-KR" dirty="0">
                 <a:latin typeface="에스코어 드림 4 Regular" panose="020B0503030302020204" pitchFamily="34" charset="-127"/>
                 <a:ea typeface="에스코어 드림 4 Regular" panose="020B0503030302020204" pitchFamily="34" charset="-127"/>
               </a:rPr>
               <a:t>Frame</a:t>
+            </a:r>
+          </a:p>
+          <a:p>
+            <a:r>
+              <a:rPr lang="en-US" altLang="ko-KR" dirty="0">
+                <a:latin typeface="에스코어 드림 4 Regular" panose="020B0503030302020204" pitchFamily="34" charset="-127"/>
+                <a:ea typeface="에스코어 드림 4 Regular" panose="020B0503030302020204" pitchFamily="34" charset="-127"/>
+              </a:rPr>
+              <a:t>1</a:t>
+            </a:r>
+            <a:r>
+              <a:rPr lang="ko-KR" altLang="en-US" dirty="0">
+                <a:latin typeface="에스코어 드림 4 Regular" panose="020B0503030302020204" pitchFamily="34" charset="-127"/>
+                <a:ea typeface="에스코어 드림 4 Regular" panose="020B0503030302020204" pitchFamily="34" charset="-127"/>
+              </a:rPr>
+              <a:t>초에 </a:t>
+            </a:r>
+            <a:r>
+              <a:rPr lang="ko-KR" altLang="en-US" dirty="0" err="1">
+                <a:latin typeface="에스코어 드림 4 Regular" panose="020B0503030302020204" pitchFamily="34" charset="-127"/>
+                <a:ea typeface="에스코어 드림 4 Regular" panose="020B0503030302020204" pitchFamily="34" charset="-127"/>
+              </a:rPr>
+              <a:t>몇번</a:t>
             </a:r>
             <a:endParaRPr lang="en-US" altLang="ko-KR" dirty="0">
               <a:latin typeface="에스코어 드림 4 Regular" panose="020B0503030302020204" pitchFamily="34" charset="-127"/>
@@ -5885,47 +5837,16 @@
           </a:p>
           <a:p>
             <a:r>
-              <a:rPr lang="en-US" altLang="ko-KR" dirty="0" smtClean="0">
-                <a:latin typeface="에스코어 드림 4 Regular" panose="020B0503030302020204" pitchFamily="34" charset="-127"/>
-                <a:ea typeface="에스코어 드림 4 Regular" panose="020B0503030302020204" pitchFamily="34" charset="-127"/>
-              </a:rPr>
-              <a:t>1</a:t>
-            </a:r>
-            <a:r>
-              <a:rPr lang="ko-KR" altLang="en-US" dirty="0" smtClean="0">
-                <a:latin typeface="에스코어 드림 4 Regular" panose="020B0503030302020204" pitchFamily="34" charset="-127"/>
-                <a:ea typeface="에스코어 드림 4 Regular" panose="020B0503030302020204" pitchFamily="34" charset="-127"/>
-              </a:rPr>
-              <a:t>초에 </a:t>
-            </a:r>
-            <a:r>
-              <a:rPr lang="ko-KR" altLang="en-US" dirty="0" err="1" smtClean="0">
-                <a:latin typeface="에스코어 드림 4 Regular" panose="020B0503030302020204" pitchFamily="34" charset="-127"/>
-                <a:ea typeface="에스코어 드림 4 Regular" panose="020B0503030302020204" pitchFamily="34" charset="-127"/>
-              </a:rPr>
-              <a:t>몇번</a:t>
-            </a:r>
-            <a:endParaRPr lang="en-US" altLang="ko-KR" dirty="0" smtClean="0">
-              <a:latin typeface="에스코어 드림 4 Regular" panose="020B0503030302020204" pitchFamily="34" charset="-127"/>
-              <a:ea typeface="에스코어 드림 4 Regular" panose="020B0503030302020204" pitchFamily="34" charset="-127"/>
-            </a:endParaRPr>
-          </a:p>
-          <a:p>
-            <a:r>
-              <a:rPr lang="en-US" altLang="ko-KR" dirty="0" smtClean="0">
+              <a:rPr lang="en-US" altLang="ko-KR" dirty="0">
                 <a:latin typeface="에스코어 드림 4 Regular" panose="020B0503030302020204" pitchFamily="34" charset="-127"/>
                 <a:ea typeface="에스코어 드림 4 Regular" panose="020B0503030302020204" pitchFamily="34" charset="-127"/>
               </a:rPr>
               <a:t>Per seconds</a:t>
             </a:r>
-            <a:endParaRPr lang="en-US" altLang="ko-KR" dirty="0">
-              <a:latin typeface="에스코어 드림 4 Regular" panose="020B0503030302020204" pitchFamily="34" charset="-127"/>
-              <a:ea typeface="에스코어 드림 4 Regular" panose="020B0503030302020204" pitchFamily="34" charset="-127"/>
-            </a:endParaRPr>
-          </a:p>
-          <a:p>
-            <a:r>
-              <a:rPr lang="en-US" altLang="ko-KR" dirty="0" smtClean="0">
+          </a:p>
+          <a:p>
+            <a:r>
+              <a:rPr lang="en-US" altLang="ko-KR" dirty="0">
                 <a:latin typeface="에스코어 드림 4 Regular" panose="020B0503030302020204" pitchFamily="34" charset="-127"/>
                 <a:ea typeface="에스코어 드림 4 Regular" panose="020B0503030302020204" pitchFamily="34" charset="-127"/>
               </a:rPr>
@@ -5934,21 +5855,21 @@
           </a:p>
           <a:p>
             <a:r>
-              <a:rPr lang="en-US" altLang="ko-KR" dirty="0" smtClean="0">
+              <a:rPr lang="en-US" altLang="ko-KR" dirty="0">
                 <a:latin typeface="에스코어 드림 4 Regular" panose="020B0503030302020204" pitchFamily="34" charset="-127"/>
                 <a:ea typeface="에스코어 드림 4 Regular" panose="020B0503030302020204" pitchFamily="34" charset="-127"/>
               </a:rPr>
               <a:t>FPS</a:t>
             </a:r>
             <a:r>
-              <a:rPr lang="ko-KR" altLang="en-US" dirty="0" smtClean="0">
+              <a:rPr lang="ko-KR" altLang="en-US" dirty="0">
                 <a:latin typeface="에스코어 드림 4 Regular" panose="020B0503030302020204" pitchFamily="34" charset="-127"/>
                 <a:ea typeface="에스코어 드림 4 Regular" panose="020B0503030302020204" pitchFamily="34" charset="-127"/>
               </a:rPr>
               <a:t>라고 부릅니다</a:t>
             </a:r>
             <a:r>
-              <a:rPr lang="en-US" altLang="ko-KR" dirty="0" smtClean="0">
+              <a:rPr lang="en-US" altLang="ko-KR" dirty="0">
                 <a:latin typeface="에스코어 드림 4 Regular" panose="020B0503030302020204" pitchFamily="34" charset="-127"/>
                 <a:ea typeface="에스코어 드림 4 Regular" panose="020B0503030302020204" pitchFamily="34" charset="-127"/>
               </a:rPr>
@@ -5957,7 +5878,7 @@
           </a:p>
           <a:p>
             <a:r>
-              <a:rPr lang="en-US" altLang="ko-KR" dirty="0" smtClean="0">
+              <a:rPr lang="en-US" altLang="ko-KR" dirty="0">
                 <a:latin typeface="에스코어 드림 4 Regular" panose="020B0503030302020204" pitchFamily="34" charset="-127"/>
                 <a:ea typeface="에스코어 드림 4 Regular" panose="020B0503030302020204" pitchFamily="34" charset="-127"/>
               </a:rPr>
@@ -6088,10 +6009,9 @@
           <a:p>
             <a:pPr algn="ctr"/>
             <a:r>
-              <a:rPr lang="ko-KR" altLang="en-US" dirty="0" smtClean="0"/>
+              <a:rPr lang="ko-KR" altLang="en-US" dirty="0"/>
               <a:t>유저에게 보이는 화면</a:t>
             </a:r>
-            <a:endParaRPr lang="ko-KR" altLang="en-US" dirty="0"/>
           </a:p>
         </p:txBody>
       </p:sp>
@@ -6129,10 +6049,9 @@
           <a:p>
             <a:pPr algn="ctr"/>
             <a:r>
-              <a:rPr lang="ko-KR" altLang="en-US" dirty="0" smtClean="0"/>
+              <a:rPr lang="ko-KR" altLang="en-US" dirty="0"/>
               <a:t>유저에게 보이지 않는 화면</a:t>
             </a:r>
-            <a:endParaRPr lang="ko-KR" altLang="en-US" dirty="0"/>
           </a:p>
         </p:txBody>
       </p:sp>
@@ -6293,14 +6212,13 @@
             <a:lstStyle/>
             <a:p>
               <a:r>
-                <a:rPr lang="ko-KR" altLang="en-US" dirty="0" err="1" smtClean="0"/>
+                <a:rPr lang="ko-KR" altLang="en-US" dirty="0" err="1"/>
                 <a:t>동해물과</a:t>
               </a:r>
               <a:r>
-                <a:rPr lang="ko-KR" altLang="en-US" dirty="0" smtClean="0"/>
+                <a:rPr lang="ko-KR" altLang="en-US" dirty="0"/>
                 <a:t> 백두산이</a:t>
               </a:r>
-              <a:endParaRPr lang="ko-KR" altLang="en-US" dirty="0"/>
             </a:p>
           </p:txBody>
         </p:sp>
@@ -6358,16 +6276,12 @@
           <a:lstStyle/>
           <a:p>
             <a:r>
-              <a:rPr lang="ko-KR" altLang="en-US" dirty="0" smtClean="0">
+              <a:rPr lang="ko-KR" altLang="en-US" dirty="0">
                 <a:latin typeface="에스코어 드림 4 Regular" panose="020B0503030302020204" pitchFamily="34" charset="-127"/>
                 <a:ea typeface="에스코어 드림 4 Regular" panose="020B0503030302020204" pitchFamily="34" charset="-127"/>
               </a:rPr>
               <a:t>프레임워크</a:t>
             </a:r>
-            <a:endParaRPr lang="ko-KR" altLang="en-US" dirty="0">
-              <a:latin typeface="에스코어 드림 4 Regular" panose="020B0503030302020204" pitchFamily="34" charset="-127"/>
-              <a:ea typeface="에스코어 드림 4 Regular" panose="020B0503030302020204" pitchFamily="34" charset="-127"/>
-            </a:endParaRPr>
           </a:p>
         </p:txBody>
       </p:sp>
@@ -6394,39 +6308,39 @@
           <a:lstStyle/>
           <a:p>
             <a:r>
-              <a:rPr lang="ko-KR" altLang="en-US" dirty="0" smtClean="0">
+              <a:rPr lang="ko-KR" altLang="en-US" dirty="0">
                 <a:latin typeface="에스코어 드림 4 Regular" panose="020B0503030302020204" pitchFamily="34" charset="-127"/>
                 <a:ea typeface="에스코어 드림 4 Regular" panose="020B0503030302020204" pitchFamily="34" charset="-127"/>
               </a:rPr>
               <a:t>엔진</a:t>
             </a:r>
-            <a:endParaRPr lang="en-US" altLang="ko-KR" dirty="0" smtClean="0">
+            <a:endParaRPr lang="en-US" altLang="ko-KR" dirty="0">
               <a:latin typeface="에스코어 드림 4 Regular" panose="020B0503030302020204" pitchFamily="34" charset="-127"/>
               <a:ea typeface="에스코어 드림 4 Regular" panose="020B0503030302020204" pitchFamily="34" charset="-127"/>
             </a:endParaRPr>
           </a:p>
           <a:p>
             <a:r>
-              <a:rPr lang="ko-KR" altLang="en-US" dirty="0" smtClean="0">
+              <a:rPr lang="ko-KR" altLang="en-US" dirty="0">
                 <a:latin typeface="에스코어 드림 4 Regular" panose="020B0503030302020204" pitchFamily="34" charset="-127"/>
                 <a:ea typeface="에스코어 드림 4 Regular" panose="020B0503030302020204" pitchFamily="34" charset="-127"/>
               </a:rPr>
               <a:t>프레임워크</a:t>
             </a:r>
-            <a:endParaRPr lang="en-US" altLang="ko-KR" dirty="0" smtClean="0">
+            <a:endParaRPr lang="en-US" altLang="ko-KR" dirty="0">
               <a:latin typeface="에스코어 드림 4 Regular" panose="020B0503030302020204" pitchFamily="34" charset="-127"/>
               <a:ea typeface="에스코어 드림 4 Regular" panose="020B0503030302020204" pitchFamily="34" charset="-127"/>
             </a:endParaRPr>
           </a:p>
           <a:p>
             <a:r>
-              <a:rPr lang="ko-KR" altLang="en-US" dirty="0" smtClean="0">
+              <a:rPr lang="ko-KR" altLang="en-US" dirty="0">
                 <a:latin typeface="에스코어 드림 4 Regular" panose="020B0503030302020204" pitchFamily="34" charset="-127"/>
                 <a:ea typeface="에스코어 드림 4 Regular" panose="020B0503030302020204" pitchFamily="34" charset="-127"/>
               </a:rPr>
               <a:t>라이브러리</a:t>
             </a:r>
-            <a:endParaRPr lang="en-US" altLang="ko-KR" dirty="0" smtClean="0">
+            <a:endParaRPr lang="en-US" altLang="ko-KR" dirty="0">
               <a:latin typeface="에스코어 드림 4 Regular" panose="020B0503030302020204" pitchFamily="34" charset="-127"/>
               <a:ea typeface="에스코어 드림 4 Regular" panose="020B0503030302020204" pitchFamily="34" charset="-127"/>
             </a:endParaRPr>
@@ -6456,35 +6370,35 @@
           <a:lstStyle/>
           <a:p>
             <a:r>
-              <a:rPr lang="ko-KR" altLang="en-US" dirty="0" smtClean="0">
+              <a:rPr lang="ko-KR" altLang="en-US" dirty="0">
                 <a:latin typeface="에스코어 드림 4 Regular" panose="020B0503030302020204" pitchFamily="34" charset="-127"/>
                 <a:ea typeface="에스코어 드림 4 Regular" panose="020B0503030302020204" pitchFamily="34" charset="-127"/>
               </a:rPr>
               <a:t>라이브러리 </a:t>
             </a:r>
             <a:r>
-              <a:rPr lang="en-US" altLang="ko-KR" dirty="0" smtClean="0">
+              <a:rPr lang="en-US" altLang="ko-KR" dirty="0">
                 <a:latin typeface="에스코어 드림 4 Regular" panose="020B0503030302020204" pitchFamily="34" charset="-127"/>
                 <a:ea typeface="에스코어 드림 4 Regular" panose="020B0503030302020204" pitchFamily="34" charset="-127"/>
               </a:rPr>
               <a:t>: </a:t>
             </a:r>
             <a:r>
-              <a:rPr lang="ko-KR" altLang="en-US" dirty="0" smtClean="0">
+              <a:rPr lang="ko-KR" altLang="en-US" dirty="0">
                 <a:latin typeface="에스코어 드림 4 Regular" panose="020B0503030302020204" pitchFamily="34" charset="-127"/>
                 <a:ea typeface="에스코어 드림 4 Regular" panose="020B0503030302020204" pitchFamily="34" charset="-127"/>
               </a:rPr>
               <a:t>특정 기능만 포함한</a:t>
             </a:r>
             <a:r>
-              <a:rPr lang="en-US" altLang="ko-KR" dirty="0" smtClean="0">
+              <a:rPr lang="en-US" altLang="ko-KR" dirty="0">
                 <a:latin typeface="에스코어 드림 4 Regular" panose="020B0503030302020204" pitchFamily="34" charset="-127"/>
                 <a:ea typeface="에스코어 드림 4 Regular" panose="020B0503030302020204" pitchFamily="34" charset="-127"/>
               </a:rPr>
               <a:t>, </a:t>
             </a:r>
             <a:r>
-              <a:rPr lang="ko-KR" altLang="en-US" dirty="0" smtClean="0">
+              <a:rPr lang="ko-KR" altLang="en-US" dirty="0">
                 <a:solidFill>
                   <a:srgbClr val="FF0000"/>
                 </a:solidFill>
@@ -6493,7 +6407,7 @@
               </a:rPr>
               <a:t>코드 뭉치</a:t>
             </a:r>
-            <a:endParaRPr lang="en-US" altLang="ko-KR" dirty="0" smtClean="0">
+            <a:endParaRPr lang="en-US" altLang="ko-KR" dirty="0">
               <a:solidFill>
                 <a:srgbClr val="FF0000"/>
               </a:solidFill>
@@ -6509,14 +6423,14 @@
           </a:p>
           <a:p>
             <a:r>
-              <a:rPr lang="ko-KR" altLang="en-US" dirty="0" smtClean="0">
+              <a:rPr lang="ko-KR" altLang="en-US" dirty="0">
                 <a:latin typeface="에스코어 드림 4 Regular" panose="020B0503030302020204" pitchFamily="34" charset="-127"/>
                 <a:ea typeface="에스코어 드림 4 Regular" panose="020B0503030302020204" pitchFamily="34" charset="-127"/>
               </a:rPr>
               <a:t>예를 들면</a:t>
             </a:r>
             <a:r>
-              <a:rPr lang="en-US" altLang="ko-KR" dirty="0" smtClean="0">
+              <a:rPr lang="en-US" altLang="ko-KR" dirty="0">
                 <a:latin typeface="에스코어 드림 4 Regular" panose="020B0503030302020204" pitchFamily="34" charset="-127"/>
                 <a:ea typeface="에스코어 드림 4 Regular" panose="020B0503030302020204" pitchFamily="34" charset="-127"/>
               </a:rPr>
@@ -6525,14 +6439,14 @@
           </a:p>
           <a:p>
             <a:r>
-              <a:rPr lang="ko-KR" altLang="en-US" dirty="0" smtClean="0">
+              <a:rPr lang="ko-KR" altLang="en-US" dirty="0">
                 <a:latin typeface="에스코어 드림 4 Regular" panose="020B0503030302020204" pitchFamily="34" charset="-127"/>
                 <a:ea typeface="에스코어 드림 4 Regular" panose="020B0503030302020204" pitchFamily="34" charset="-127"/>
               </a:rPr>
               <a:t>카메라 라이브러리</a:t>
             </a:r>
             <a:r>
-              <a:rPr lang="en-US" altLang="ko-KR" dirty="0" smtClean="0">
+              <a:rPr lang="en-US" altLang="ko-KR" dirty="0">
                 <a:latin typeface="에스코어 드림 4 Regular" panose="020B0503030302020204" pitchFamily="34" charset="-127"/>
                 <a:ea typeface="에스코어 드림 4 Regular" panose="020B0503030302020204" pitchFamily="34" charset="-127"/>
               </a:rPr>
@@ -6541,28 +6455,28 @@
           </a:p>
           <a:p>
             <a:r>
-              <a:rPr lang="ko-KR" altLang="en-US" dirty="0" smtClean="0">
+              <a:rPr lang="ko-KR" altLang="en-US" dirty="0">
                 <a:latin typeface="에스코어 드림 4 Regular" panose="020B0503030302020204" pitchFamily="34" charset="-127"/>
                 <a:ea typeface="에스코어 드림 4 Regular" panose="020B0503030302020204" pitchFamily="34" charset="-127"/>
               </a:rPr>
               <a:t>이미지 </a:t>
             </a:r>
             <a:r>
-              <a:rPr lang="ko-KR" altLang="en-US" dirty="0" err="1" smtClean="0">
+              <a:rPr lang="ko-KR" altLang="en-US" dirty="0" err="1">
                 <a:latin typeface="에스코어 드림 4 Regular" panose="020B0503030302020204" pitchFamily="34" charset="-127"/>
                 <a:ea typeface="에스코어 드림 4 Regular" panose="020B0503030302020204" pitchFamily="34" charset="-127"/>
               </a:rPr>
               <a:t>프로세싱</a:t>
             </a:r>
             <a:r>
-              <a:rPr lang="ko-KR" altLang="en-US" dirty="0" smtClean="0">
+              <a:rPr lang="ko-KR" altLang="en-US" dirty="0">
                 <a:latin typeface="에스코어 드림 4 Regular" panose="020B0503030302020204" pitchFamily="34" charset="-127"/>
                 <a:ea typeface="에스코어 드림 4 Regular" panose="020B0503030302020204" pitchFamily="34" charset="-127"/>
               </a:rPr>
               <a:t> 라이브러리</a:t>
             </a:r>
             <a:r>
-              <a:rPr lang="en-US" altLang="ko-KR" dirty="0" smtClean="0">
+              <a:rPr lang="en-US" altLang="ko-KR" dirty="0">
                 <a:latin typeface="에스코어 드림 4 Regular" panose="020B0503030302020204" pitchFamily="34" charset="-127"/>
                 <a:ea typeface="에스코어 드림 4 Regular" panose="020B0503030302020204" pitchFamily="34" charset="-127"/>
               </a:rPr>
@@ -6571,13 +6485,13 @@
           </a:p>
           <a:p>
             <a:r>
-              <a:rPr lang="ko-KR" altLang="en-US" dirty="0" smtClean="0">
+              <a:rPr lang="ko-KR" altLang="en-US" dirty="0">
                 <a:latin typeface="에스코어 드림 4 Regular" panose="020B0503030302020204" pitchFamily="34" charset="-127"/>
                 <a:ea typeface="에스코어 드림 4 Regular" panose="020B0503030302020204" pitchFamily="34" charset="-127"/>
               </a:rPr>
               <a:t>통신 라이브러리</a:t>
             </a:r>
-            <a:endParaRPr lang="en-US" altLang="ko-KR" dirty="0" smtClean="0">
+            <a:endParaRPr lang="en-US" altLang="ko-KR" dirty="0">
               <a:latin typeface="에스코어 드림 4 Regular" panose="020B0503030302020204" pitchFamily="34" charset="-127"/>
               <a:ea typeface="에스코어 드림 4 Regular" panose="020B0503030302020204" pitchFamily="34" charset="-127"/>
             </a:endParaRPr>
@@ -6607,14 +6521,14 @@
           <a:lstStyle/>
           <a:p>
             <a:r>
-              <a:rPr lang="ko-KR" altLang="en-US" dirty="0" smtClean="0">
+              <a:rPr lang="ko-KR" altLang="en-US" dirty="0">
                 <a:latin typeface="에스코어 드림 4 Regular" panose="020B0503030302020204" pitchFamily="34" charset="-127"/>
                 <a:ea typeface="에스코어 드림 4 Regular" panose="020B0503030302020204" pitchFamily="34" charset="-127"/>
               </a:rPr>
               <a:t>프레임워크 </a:t>
             </a:r>
             <a:r>
-              <a:rPr lang="en-US" altLang="ko-KR" dirty="0" smtClean="0">
+              <a:rPr lang="en-US" altLang="ko-KR" dirty="0">
                 <a:latin typeface="에스코어 드림 4 Regular" panose="020B0503030302020204" pitchFamily="34" charset="-127"/>
                 <a:ea typeface="에스코어 드림 4 Regular" panose="020B0503030302020204" pitchFamily="34" charset="-127"/>
               </a:rPr>
@@ -6623,14 +6537,14 @@
           </a:p>
           <a:p>
             <a:r>
-              <a:rPr lang="ko-KR" altLang="en-US" dirty="0" smtClean="0">
+              <a:rPr lang="ko-KR" altLang="en-US" dirty="0">
                 <a:latin typeface="에스코어 드림 4 Regular" panose="020B0503030302020204" pitchFamily="34" charset="-127"/>
                 <a:ea typeface="에스코어 드림 4 Regular" panose="020B0503030302020204" pitchFamily="34" charset="-127"/>
               </a:rPr>
               <a:t>프로그램을 잘 만들기 위해 만들어둔 아키텍처 </a:t>
             </a:r>
             <a:r>
-              <a:rPr lang="ko-KR" altLang="en-US" dirty="0" smtClean="0">
+              <a:rPr lang="ko-KR" altLang="en-US" dirty="0">
                 <a:solidFill>
                   <a:srgbClr val="FF0000"/>
                 </a:solidFill>
@@ -6639,7 +6553,7 @@
               </a:rPr>
               <a:t>코드 뭉치</a:t>
             </a:r>
-            <a:endParaRPr lang="en-US" altLang="ko-KR" dirty="0" smtClean="0">
+            <a:endParaRPr lang="en-US" altLang="ko-KR" dirty="0">
               <a:solidFill>
                 <a:srgbClr val="FF0000"/>
               </a:solidFill>
@@ -6648,49 +6562,49 @@
             </a:endParaRPr>
           </a:p>
           <a:p>
-            <a:endParaRPr lang="en-US" altLang="ko-KR" dirty="0" smtClean="0">
+            <a:endParaRPr lang="en-US" altLang="ko-KR" dirty="0">
               <a:latin typeface="에스코어 드림 4 Regular" panose="020B0503030302020204" pitchFamily="34" charset="-127"/>
               <a:ea typeface="에스코어 드림 4 Regular" panose="020B0503030302020204" pitchFamily="34" charset="-127"/>
             </a:endParaRPr>
           </a:p>
           <a:p>
             <a:r>
-              <a:rPr lang="ko-KR" altLang="en-US" dirty="0" smtClean="0">
+              <a:rPr lang="ko-KR" altLang="en-US" dirty="0">
                 <a:latin typeface="에스코어 드림 4 Regular" panose="020B0503030302020204" pitchFamily="34" charset="-127"/>
                 <a:ea typeface="에스코어 드림 4 Regular" panose="020B0503030302020204" pitchFamily="34" charset="-127"/>
               </a:rPr>
               <a:t>아키텍처 </a:t>
             </a:r>
             <a:r>
-              <a:rPr lang="en-US" altLang="ko-KR" dirty="0" smtClean="0">
+              <a:rPr lang="en-US" altLang="ko-KR" dirty="0">
                 <a:latin typeface="에스코어 드림 4 Regular" panose="020B0503030302020204" pitchFamily="34" charset="-127"/>
                 <a:ea typeface="에스코어 드림 4 Regular" panose="020B0503030302020204" pitchFamily="34" charset="-127"/>
               </a:rPr>
               <a:t>: </a:t>
             </a:r>
             <a:r>
-              <a:rPr lang="ko-KR" altLang="en-US" dirty="0" smtClean="0">
+              <a:rPr lang="ko-KR" altLang="en-US" dirty="0">
                 <a:latin typeface="에스코어 드림 4 Regular" panose="020B0503030302020204" pitchFamily="34" charset="-127"/>
                 <a:ea typeface="에스코어 드림 4 Regular" panose="020B0503030302020204" pitchFamily="34" charset="-127"/>
               </a:rPr>
               <a:t>프로그램 구조 </a:t>
             </a:r>
             <a:r>
-              <a:rPr lang="en-US" altLang="ko-KR" dirty="0" smtClean="0">
+              <a:rPr lang="en-US" altLang="ko-KR" dirty="0">
                 <a:latin typeface="에스코어 드림 4 Regular" panose="020B0503030302020204" pitchFamily="34" charset="-127"/>
                 <a:ea typeface="에스코어 드림 4 Regular" panose="020B0503030302020204" pitchFamily="34" charset="-127"/>
               </a:rPr>
               <a:t>(</a:t>
             </a:r>
             <a:r>
-              <a:rPr lang="ko-KR" altLang="en-US" dirty="0" smtClean="0">
+              <a:rPr lang="ko-KR" altLang="en-US" dirty="0">
                 <a:latin typeface="에스코어 드림 4 Regular" panose="020B0503030302020204" pitchFamily="34" charset="-127"/>
                 <a:ea typeface="에스코어 드림 4 Regular" panose="020B0503030302020204" pitchFamily="34" charset="-127"/>
               </a:rPr>
               <a:t>클래스 설계</a:t>
             </a:r>
             <a:r>
-              <a:rPr lang="en-US" altLang="ko-KR" dirty="0" smtClean="0">
+              <a:rPr lang="en-US" altLang="ko-KR" dirty="0">
                 <a:latin typeface="에스코어 드림 4 Regular" panose="020B0503030302020204" pitchFamily="34" charset="-127"/>
                 <a:ea typeface="에스코어 드림 4 Regular" panose="020B0503030302020204" pitchFamily="34" charset="-127"/>
               </a:rPr>
@@ -6722,35 +6636,35 @@
           <a:lstStyle/>
           <a:p>
             <a:r>
-              <a:rPr lang="en-US" altLang="ko-KR" dirty="0" smtClean="0">
+              <a:rPr lang="en-US" altLang="ko-KR" dirty="0">
                 <a:latin typeface="에스코어 드림 4 Regular" panose="020B0503030302020204" pitchFamily="34" charset="-127"/>
                 <a:ea typeface="에스코어 드림 4 Regular" panose="020B0503030302020204" pitchFamily="34" charset="-127"/>
               </a:rPr>
               <a:t>(</a:t>
             </a:r>
             <a:r>
-              <a:rPr lang="ko-KR" altLang="en-US" dirty="0" smtClean="0">
+              <a:rPr lang="ko-KR" altLang="en-US" dirty="0">
                 <a:latin typeface="에스코어 드림 4 Regular" panose="020B0503030302020204" pitchFamily="34" charset="-127"/>
                 <a:ea typeface="에스코어 드림 4 Regular" panose="020B0503030302020204" pitchFamily="34" charset="-127"/>
               </a:rPr>
               <a:t>게임</a:t>
             </a:r>
             <a:r>
-              <a:rPr lang="en-US" altLang="ko-KR" dirty="0" smtClean="0">
+              <a:rPr lang="en-US" altLang="ko-KR" dirty="0">
                 <a:latin typeface="에스코어 드림 4 Regular" panose="020B0503030302020204" pitchFamily="34" charset="-127"/>
                 <a:ea typeface="에스코어 드림 4 Regular" panose="020B0503030302020204" pitchFamily="34" charset="-127"/>
               </a:rPr>
               <a:t>)</a:t>
             </a:r>
             <a:r>
-              <a:rPr lang="ko-KR" altLang="en-US" dirty="0" smtClean="0">
+              <a:rPr lang="ko-KR" altLang="en-US" dirty="0">
                 <a:latin typeface="에스코어 드림 4 Regular" panose="020B0503030302020204" pitchFamily="34" charset="-127"/>
                 <a:ea typeface="에스코어 드림 4 Regular" panose="020B0503030302020204" pitchFamily="34" charset="-127"/>
               </a:rPr>
               <a:t>엔진 </a:t>
             </a:r>
             <a:r>
-              <a:rPr lang="en-US" altLang="ko-KR" dirty="0" smtClean="0">
+              <a:rPr lang="en-US" altLang="ko-KR" dirty="0">
                 <a:latin typeface="에스코어 드림 4 Regular" panose="020B0503030302020204" pitchFamily="34" charset="-127"/>
                 <a:ea typeface="에스코어 드림 4 Regular" panose="020B0503030302020204" pitchFamily="34" charset="-127"/>
               </a:rPr>
@@ -6758,62 +6672,62 @@
             </a:r>
           </a:p>
           <a:p>
-            <a:endParaRPr lang="en-US" altLang="ko-KR" dirty="0" smtClean="0">
+            <a:endParaRPr lang="en-US" altLang="ko-KR" dirty="0">
               <a:latin typeface="에스코어 드림 4 Regular" panose="020B0503030302020204" pitchFamily="34" charset="-127"/>
               <a:ea typeface="에스코어 드림 4 Regular" panose="020B0503030302020204" pitchFamily="34" charset="-127"/>
             </a:endParaRPr>
           </a:p>
           <a:p>
             <a:r>
-              <a:rPr lang="ko-KR" altLang="en-US" dirty="0" smtClean="0">
+              <a:rPr lang="ko-KR" altLang="en-US" dirty="0">
                 <a:latin typeface="에스코어 드림 4 Regular" panose="020B0503030302020204" pitchFamily="34" charset="-127"/>
                 <a:ea typeface="에스코어 드림 4 Regular" panose="020B0503030302020204" pitchFamily="34" charset="-127"/>
               </a:rPr>
               <a:t>제품을 만들기 위해 만들어진 툴</a:t>
             </a:r>
-            <a:endParaRPr lang="en-US" altLang="ko-KR" dirty="0" smtClean="0">
+            <a:endParaRPr lang="en-US" altLang="ko-KR" dirty="0">
               <a:latin typeface="에스코어 드림 4 Regular" panose="020B0503030302020204" pitchFamily="34" charset="-127"/>
               <a:ea typeface="에스코어 드림 4 Regular" panose="020B0503030302020204" pitchFamily="34" charset="-127"/>
             </a:endParaRPr>
           </a:p>
           <a:p>
             <a:r>
-              <a:rPr lang="ko-KR" altLang="en-US" dirty="0" smtClean="0">
+              <a:rPr lang="ko-KR" altLang="en-US" dirty="0">
                 <a:latin typeface="에스코어 드림 4 Regular" panose="020B0503030302020204" pitchFamily="34" charset="-127"/>
                 <a:ea typeface="에스코어 드림 4 Regular" panose="020B0503030302020204" pitchFamily="34" charset="-127"/>
               </a:rPr>
               <a:t>엔진 안에 프레임워크는 </a:t>
             </a:r>
             <a:r>
-              <a:rPr lang="en-US" altLang="ko-KR" dirty="0" smtClean="0">
+              <a:rPr lang="en-US" altLang="ko-KR" dirty="0">
                 <a:latin typeface="에스코어 드림 4 Regular" panose="020B0503030302020204" pitchFamily="34" charset="-127"/>
                 <a:ea typeface="에스코어 드림 4 Regular" panose="020B0503030302020204" pitchFamily="34" charset="-127"/>
               </a:rPr>
               <a:t>(</a:t>
             </a:r>
             <a:r>
-              <a:rPr lang="ko-KR" altLang="en-US" dirty="0" smtClean="0">
+              <a:rPr lang="ko-KR" altLang="en-US" dirty="0">
                 <a:latin typeface="에스코어 드림 4 Regular" panose="020B0503030302020204" pitchFamily="34" charset="-127"/>
                 <a:ea typeface="에스코어 드림 4 Regular" panose="020B0503030302020204" pitchFamily="34" charset="-127"/>
               </a:rPr>
               <a:t>내부적으로</a:t>
             </a:r>
             <a:r>
-              <a:rPr lang="en-US" altLang="ko-KR" dirty="0" smtClean="0">
+              <a:rPr lang="en-US" altLang="ko-KR" dirty="0">
                 <a:latin typeface="에스코어 드림 4 Regular" panose="020B0503030302020204" pitchFamily="34" charset="-127"/>
                 <a:ea typeface="에스코어 드림 4 Regular" panose="020B0503030302020204" pitchFamily="34" charset="-127"/>
               </a:rPr>
               <a:t>)</a:t>
             </a:r>
             <a:r>
-              <a:rPr lang="ko-KR" altLang="en-US" dirty="0" smtClean="0">
+              <a:rPr lang="ko-KR" altLang="en-US" dirty="0">
                 <a:latin typeface="에스코어 드림 4 Regular" panose="020B0503030302020204" pitchFamily="34" charset="-127"/>
                 <a:ea typeface="에스코어 드림 4 Regular" panose="020B0503030302020204" pitchFamily="34" charset="-127"/>
               </a:rPr>
               <a:t>무조건 포함되어있습니다</a:t>
             </a:r>
             <a:r>
-              <a:rPr lang="en-US" altLang="ko-KR" dirty="0" smtClean="0">
+              <a:rPr lang="en-US" altLang="ko-KR" dirty="0">
                 <a:latin typeface="에스코어 드림 4 Regular" panose="020B0503030302020204" pitchFamily="34" charset="-127"/>
                 <a:ea typeface="에스코어 드림 4 Regular" panose="020B0503030302020204" pitchFamily="34" charset="-127"/>
               </a:rPr>
@@ -6845,7 +6759,7 @@
           <a:lstStyle/>
           <a:p>
             <a:r>
-              <a:rPr lang="ko-KR" altLang="en-US" dirty="0" smtClean="0">
+              <a:rPr lang="ko-KR" altLang="en-US" dirty="0">
                 <a:solidFill>
                   <a:srgbClr val="FF0000"/>
                 </a:solidFill>
@@ -6855,7 +6769,7 @@
               <a:t>프로그래머말고</a:t>
             </a:r>
             <a:r>
-              <a:rPr lang="en-US" altLang="ko-KR" dirty="0" smtClean="0">
+              <a:rPr lang="en-US" altLang="ko-KR" dirty="0">
                 <a:solidFill>
                   <a:srgbClr val="FF0000"/>
                 </a:solidFill>
@@ -6865,7 +6779,7 @@
               <a:t>, </a:t>
             </a:r>
             <a:r>
-              <a:rPr lang="ko-KR" altLang="en-US" dirty="0" err="1" smtClean="0">
+              <a:rPr lang="ko-KR" altLang="en-US" dirty="0" err="1">
                 <a:solidFill>
                   <a:srgbClr val="FF0000"/>
                 </a:solidFill>
@@ -6875,7 +6789,7 @@
               <a:t>아트랑</a:t>
             </a:r>
             <a:r>
-              <a:rPr lang="ko-KR" altLang="en-US" dirty="0" smtClean="0">
+              <a:rPr lang="ko-KR" altLang="en-US" dirty="0">
                 <a:solidFill>
                   <a:srgbClr val="FF0000"/>
                 </a:solidFill>
@@ -6885,7 +6799,7 @@
               <a:t> 기획이 </a:t>
             </a:r>
             <a:r>
-              <a:rPr lang="en-US" altLang="ko-KR" dirty="0" smtClean="0">
+              <a:rPr lang="en-US" altLang="ko-KR" dirty="0">
                 <a:solidFill>
                   <a:srgbClr val="FF0000"/>
                 </a:solidFill>
@@ -6895,7 +6809,7 @@
               <a:t>(</a:t>
             </a:r>
             <a:r>
-              <a:rPr lang="ko-KR" altLang="en-US" dirty="0" smtClean="0">
+              <a:rPr lang="ko-KR" altLang="en-US" dirty="0">
                 <a:solidFill>
                   <a:srgbClr val="FF0000"/>
                 </a:solidFill>
@@ -6905,7 +6819,7 @@
               <a:t>특정 부분</a:t>
             </a:r>
             <a:r>
-              <a:rPr lang="en-US" altLang="ko-KR" dirty="0" smtClean="0">
+              <a:rPr lang="en-US" altLang="ko-KR" dirty="0">
                 <a:solidFill>
                   <a:srgbClr val="FF0000"/>
                 </a:solidFill>
@@ -6915,7 +6829,7 @@
               <a:t>) </a:t>
             </a:r>
             <a:r>
-              <a:rPr lang="ko-KR" altLang="en-US" dirty="0" smtClean="0">
+              <a:rPr lang="ko-KR" altLang="en-US" dirty="0">
                 <a:solidFill>
                   <a:srgbClr val="FF0000"/>
                 </a:solidFill>
@@ -6925,7 +6839,7 @@
               <a:t>사용할 수 있어야 함</a:t>
             </a:r>
             <a:r>
-              <a:rPr lang="en-US" altLang="ko-KR" dirty="0" smtClean="0">
+              <a:rPr lang="en-US" altLang="ko-KR" dirty="0">
                 <a:solidFill>
                   <a:srgbClr val="FF0000"/>
                 </a:solidFill>
@@ -7026,7 +6940,7 @@
           <a:lstStyle/>
           <a:p>
             <a:r>
-              <a:rPr lang="ko-KR" altLang="en-US" dirty="0" smtClean="0">
+              <a:rPr lang="ko-KR" altLang="en-US" dirty="0">
                 <a:solidFill>
                   <a:srgbClr val="FF0000"/>
                 </a:solidFill>
@@ -7045,7 +6959,7 @@
           </a:p>
           <a:p>
             <a:r>
-              <a:rPr lang="ko-KR" altLang="en-US" dirty="0" smtClean="0">
+              <a:rPr lang="ko-KR" altLang="en-US" dirty="0">
                 <a:solidFill>
                   <a:srgbClr val="FF0000"/>
                 </a:solidFill>
@@ -7055,7 +6969,7 @@
               <a:t>프레임워크에 내 코드를 맞춘다</a:t>
             </a:r>
             <a:r>
-              <a:rPr lang="en-US" altLang="ko-KR" dirty="0" smtClean="0">
+              <a:rPr lang="en-US" altLang="ko-KR" dirty="0">
                 <a:solidFill>
                   <a:srgbClr val="FF0000"/>
                 </a:solidFill>
@@ -7067,7 +6981,7 @@
           </a:p>
           <a:p>
             <a:r>
-              <a:rPr lang="ko-KR" altLang="en-US" dirty="0" smtClean="0">
+              <a:rPr lang="ko-KR" altLang="en-US" dirty="0">
                 <a:solidFill>
                   <a:srgbClr val="FF0000"/>
                 </a:solidFill>
@@ -7077,7 +6991,7 @@
               <a:t>내 코드에 라이브러리를 맞춘다</a:t>
             </a:r>
             <a:r>
-              <a:rPr lang="en-US" altLang="ko-KR" dirty="0" smtClean="0">
+              <a:rPr lang="en-US" altLang="ko-KR" dirty="0">
                 <a:solidFill>
                   <a:srgbClr val="FF0000"/>
                 </a:solidFill>
@@ -7142,16 +7056,12 @@
           <a:lstStyle/>
           <a:p>
             <a:r>
-              <a:rPr lang="ko-KR" altLang="en-US" dirty="0" smtClean="0">
+              <a:rPr lang="ko-KR" altLang="en-US" dirty="0">
                 <a:latin typeface="에스코어 드림 4 Regular" panose="020B0503030302020204" pitchFamily="34" charset="-127"/>
                 <a:ea typeface="에스코어 드림 4 Regular" panose="020B0503030302020204" pitchFamily="34" charset="-127"/>
               </a:rPr>
               <a:t>프레임워크</a:t>
             </a:r>
-            <a:endParaRPr lang="ko-KR" altLang="en-US" dirty="0">
-              <a:latin typeface="에스코어 드림 4 Regular" panose="020B0503030302020204" pitchFamily="34" charset="-127"/>
-              <a:ea typeface="에스코어 드림 4 Regular" panose="020B0503030302020204" pitchFamily="34" charset="-127"/>
-            </a:endParaRPr>
           </a:p>
         </p:txBody>
       </p:sp>
@@ -7178,21 +7088,21 @@
           <a:lstStyle/>
           <a:p>
             <a:r>
-              <a:rPr lang="en-US" altLang="ko-KR" dirty="0" smtClean="0">
+              <a:rPr lang="en-US" altLang="ko-KR" dirty="0">
                 <a:latin typeface="에스코어 드림 4 Regular" panose="020B0503030302020204" pitchFamily="34" charset="-127"/>
                 <a:ea typeface="에스코어 드림 4 Regular" panose="020B0503030302020204" pitchFamily="34" charset="-127"/>
               </a:rPr>
               <a:t>Windows API </a:t>
             </a:r>
             <a:r>
-              <a:rPr lang="ko-KR" altLang="en-US" dirty="0" smtClean="0">
+              <a:rPr lang="ko-KR" altLang="en-US" dirty="0">
                 <a:latin typeface="에스코어 드림 4 Regular" panose="020B0503030302020204" pitchFamily="34" charset="-127"/>
                 <a:ea typeface="에스코어 드림 4 Regular" panose="020B0503030302020204" pitchFamily="34" charset="-127"/>
               </a:rPr>
               <a:t>하는데 왜 프레임워크를 만들면서 해야하는가</a:t>
             </a:r>
             <a:r>
-              <a:rPr lang="en-US" altLang="ko-KR" dirty="0" smtClean="0">
+              <a:rPr lang="en-US" altLang="ko-KR" dirty="0">
                 <a:latin typeface="에스코어 드림 4 Regular" panose="020B0503030302020204" pitchFamily="34" charset="-127"/>
                 <a:ea typeface="에스코어 드림 4 Regular" panose="020B0503030302020204" pitchFamily="34" charset="-127"/>
               </a:rPr>
@@ -7206,58 +7116,6 @@
             </a:endParaRPr>
           </a:p>
           <a:p>
-            <a:endParaRPr lang="en-US" altLang="ko-KR" dirty="0" smtClean="0">
-              <a:latin typeface="에스코어 드림 4 Regular" panose="020B0503030302020204" pitchFamily="34" charset="-127"/>
-              <a:ea typeface="에스코어 드림 4 Regular" panose="020B0503030302020204" pitchFamily="34" charset="-127"/>
-            </a:endParaRPr>
-          </a:p>
-          <a:p>
-            <a:r>
-              <a:rPr lang="ko-KR" altLang="en-US" dirty="0" smtClean="0">
-                <a:latin typeface="에스코어 드림 4 Regular" panose="020B0503030302020204" pitchFamily="34" charset="-127"/>
-                <a:ea typeface="에스코어 드림 4 Regular" panose="020B0503030302020204" pitchFamily="34" charset="-127"/>
-              </a:rPr>
-              <a:t>회사들어가면 </a:t>
-            </a:r>
-            <a:r>
-              <a:rPr lang="en-US" altLang="ko-KR" dirty="0" smtClean="0">
-                <a:latin typeface="에스코어 드림 4 Regular" panose="020B0503030302020204" pitchFamily="34" charset="-127"/>
-                <a:ea typeface="에스코어 드림 4 Regular" panose="020B0503030302020204" pitchFamily="34" charset="-127"/>
-              </a:rPr>
-              <a:t>Windows API </a:t>
-            </a:r>
-            <a:r>
-              <a:rPr lang="ko-KR" altLang="en-US" dirty="0" smtClean="0">
-                <a:latin typeface="에스코어 드림 4 Regular" panose="020B0503030302020204" pitchFamily="34" charset="-127"/>
-                <a:ea typeface="에스코어 드림 4 Regular" panose="020B0503030302020204" pitchFamily="34" charset="-127"/>
-              </a:rPr>
-              <a:t>절대 안씁니다</a:t>
-            </a:r>
-            <a:r>
-              <a:rPr lang="en-US" altLang="ko-KR" dirty="0" smtClean="0">
-                <a:latin typeface="에스코어 드림 4 Regular" panose="020B0503030302020204" pitchFamily="34" charset="-127"/>
-                <a:ea typeface="에스코어 드림 4 Regular" panose="020B0503030302020204" pitchFamily="34" charset="-127"/>
-              </a:rPr>
-              <a:t>.</a:t>
-            </a:r>
-          </a:p>
-          <a:p>
-            <a:r>
-              <a:rPr lang="ko-KR" altLang="en-US" dirty="0" smtClean="0">
-                <a:latin typeface="에스코어 드림 4 Regular" panose="020B0503030302020204" pitchFamily="34" charset="-127"/>
-                <a:ea typeface="에스코어 드림 4 Regular" panose="020B0503030302020204" pitchFamily="34" charset="-127"/>
-              </a:rPr>
-              <a:t>근데 왜 배우냐</a:t>
-            </a:r>
-            <a:r>
-              <a:rPr lang="en-US" altLang="ko-KR" dirty="0" smtClean="0">
-                <a:latin typeface="에스코어 드림 4 Regular" panose="020B0503030302020204" pitchFamily="34" charset="-127"/>
-                <a:ea typeface="에스코어 드림 4 Regular" panose="020B0503030302020204" pitchFamily="34" charset="-127"/>
-              </a:rPr>
-              <a:t>??</a:t>
-            </a:r>
-          </a:p>
-          <a:p>
             <a:endParaRPr lang="en-US" altLang="ko-KR" dirty="0">
               <a:latin typeface="에스코어 드림 4 Regular" panose="020B0503030302020204" pitchFamily="34" charset="-127"/>
               <a:ea typeface="에스코어 드림 4 Regular" panose="020B0503030302020204" pitchFamily="34" charset="-127"/>
@@ -7265,16 +7123,49 @@
           </a:p>
           <a:p>
             <a:r>
-              <a:rPr lang="ko-KR" altLang="en-US" dirty="0" smtClean="0">
-                <a:latin typeface="에스코어 드림 4 Regular" panose="020B0503030302020204" pitchFamily="34" charset="-127"/>
-                <a:ea typeface="에스코어 드림 4 Regular" panose="020B0503030302020204" pitchFamily="34" charset="-127"/>
-              </a:rPr>
-              <a:t>엔진에 들어간 기술을 배우기 위해서</a:t>
-            </a:r>
-            <a:endParaRPr lang="en-US" altLang="ko-KR" dirty="0" smtClean="0">
-              <a:latin typeface="에스코어 드림 4 Regular" panose="020B0503030302020204" pitchFamily="34" charset="-127"/>
-              <a:ea typeface="에스코어 드림 4 Regular" panose="020B0503030302020204" pitchFamily="34" charset="-127"/>
-            </a:endParaRPr>
+              <a:rPr lang="ko-KR" altLang="en-US" dirty="0">
+                <a:latin typeface="에스코어 드림 4 Regular" panose="020B0503030302020204" pitchFamily="34" charset="-127"/>
+                <a:ea typeface="에스코어 드림 4 Regular" panose="020B0503030302020204" pitchFamily="34" charset="-127"/>
+              </a:rPr>
+              <a:t>회사들어가면 </a:t>
+            </a:r>
+            <a:r>
+              <a:rPr lang="en-US" altLang="ko-KR" dirty="0">
+                <a:latin typeface="에스코어 드림 4 Regular" panose="020B0503030302020204" pitchFamily="34" charset="-127"/>
+                <a:ea typeface="에스코어 드림 4 Regular" panose="020B0503030302020204" pitchFamily="34" charset="-127"/>
+              </a:rPr>
+              <a:t>Windows API </a:t>
+            </a:r>
+            <a:r>
+              <a:rPr lang="ko-KR" altLang="en-US" dirty="0">
+                <a:latin typeface="에스코어 드림 4 Regular" panose="020B0503030302020204" pitchFamily="34" charset="-127"/>
+                <a:ea typeface="에스코어 드림 4 Regular" panose="020B0503030302020204" pitchFamily="34" charset="-127"/>
+              </a:rPr>
+              <a:t>절대 안씁니다</a:t>
+            </a:r>
+            <a:r>
+              <a:rPr lang="en-US" altLang="ko-KR" dirty="0">
+                <a:latin typeface="에스코어 드림 4 Regular" panose="020B0503030302020204" pitchFamily="34" charset="-127"/>
+                <a:ea typeface="에스코어 드림 4 Regular" panose="020B0503030302020204" pitchFamily="34" charset="-127"/>
+              </a:rPr>
+              <a:t>.</a:t>
+            </a:r>
+          </a:p>
+          <a:p>
+            <a:r>
+              <a:rPr lang="ko-KR" altLang="en-US" dirty="0">
+                <a:latin typeface="에스코어 드림 4 Regular" panose="020B0503030302020204" pitchFamily="34" charset="-127"/>
+                <a:ea typeface="에스코어 드림 4 Regular" panose="020B0503030302020204" pitchFamily="34" charset="-127"/>
+              </a:rPr>
+              <a:t>근데 왜 배우냐</a:t>
+            </a:r>
+            <a:r>
+              <a:rPr lang="en-US" altLang="ko-KR" dirty="0">
+                <a:latin typeface="에스코어 드림 4 Regular" panose="020B0503030302020204" pitchFamily="34" charset="-127"/>
+                <a:ea typeface="에스코어 드림 4 Regular" panose="020B0503030302020204" pitchFamily="34" charset="-127"/>
+              </a:rPr>
+              <a:t>??</a:t>
+            </a:r>
           </a:p>
           <a:p>
             <a:endParaRPr lang="en-US" altLang="ko-KR" dirty="0">
@@ -7284,136 +7175,18 @@
           </a:p>
           <a:p>
             <a:r>
-              <a:rPr lang="en-US" altLang="ko-KR" dirty="0" smtClean="0">
-                <a:latin typeface="에스코어 드림 4 Regular" panose="020B0503030302020204" pitchFamily="34" charset="-127"/>
-                <a:ea typeface="에스코어 드림 4 Regular" panose="020B0503030302020204" pitchFamily="34" charset="-127"/>
-              </a:rPr>
-              <a:t>Windows API</a:t>
-            </a:r>
-            <a:r>
-              <a:rPr lang="ko-KR" altLang="en-US" dirty="0" smtClean="0">
-                <a:latin typeface="에스코어 드림 4 Regular" panose="020B0503030302020204" pitchFamily="34" charset="-127"/>
-                <a:ea typeface="에스코어 드림 4 Regular" panose="020B0503030302020204" pitchFamily="34" charset="-127"/>
-              </a:rPr>
-              <a:t>를 효과적으로 배우기 위해서는</a:t>
-            </a:r>
-            <a:endParaRPr lang="en-US" altLang="ko-KR" dirty="0" smtClean="0">
-              <a:latin typeface="에스코어 드림 4 Regular" panose="020B0503030302020204" pitchFamily="34" charset="-127"/>
-              <a:ea typeface="에스코어 드림 4 Regular" panose="020B0503030302020204" pitchFamily="34" charset="-127"/>
-            </a:endParaRPr>
-          </a:p>
-          <a:p>
-            <a:r>
-              <a:rPr lang="ko-KR" altLang="en-US" dirty="0" smtClean="0">
-                <a:latin typeface="에스코어 드림 4 Regular" panose="020B0503030302020204" pitchFamily="34" charset="-127"/>
-                <a:ea typeface="에스코어 드림 4 Regular" panose="020B0503030302020204" pitchFamily="34" charset="-127"/>
-              </a:rPr>
-              <a:t>엔진에서 쓰이는 기술을 그대로 만들 수 있어야합니다</a:t>
-            </a:r>
-            <a:r>
-              <a:rPr lang="en-US" altLang="ko-KR" dirty="0" smtClean="0">
-                <a:latin typeface="에스코어 드림 4 Regular" panose="020B0503030302020204" pitchFamily="34" charset="-127"/>
-                <a:ea typeface="에스코어 드림 4 Regular" panose="020B0503030302020204" pitchFamily="34" charset="-127"/>
-              </a:rPr>
-              <a:t>.</a:t>
-            </a:r>
-          </a:p>
-          <a:p>
+              <a:rPr lang="ko-KR" altLang="en-US" dirty="0">
+                <a:latin typeface="에스코어 드림 4 Regular" panose="020B0503030302020204" pitchFamily="34" charset="-127"/>
+                <a:ea typeface="에스코어 드림 4 Regular" panose="020B0503030302020204" pitchFamily="34" charset="-127"/>
+              </a:rPr>
+              <a:t>엔진에 들어간 기술을 배우기 위해서</a:t>
+            </a:r>
             <a:endParaRPr lang="en-US" altLang="ko-KR" dirty="0">
               <a:latin typeface="에스코어 드림 4 Regular" panose="020B0503030302020204" pitchFamily="34" charset="-127"/>
               <a:ea typeface="에스코어 드림 4 Regular" panose="020B0503030302020204" pitchFamily="34" charset="-127"/>
             </a:endParaRPr>
           </a:p>
           <a:p>
-            <a:r>
-              <a:rPr lang="ko-KR" altLang="en-US" dirty="0" smtClean="0">
-                <a:latin typeface="에스코어 드림 4 Regular" panose="020B0503030302020204" pitchFamily="34" charset="-127"/>
-                <a:ea typeface="에스코어 드림 4 Regular" panose="020B0503030302020204" pitchFamily="34" charset="-127"/>
-              </a:rPr>
-              <a:t>그래서 저희가 지금 </a:t>
-            </a:r>
-            <a:r>
-              <a:rPr lang="en-US" altLang="ko-KR" dirty="0" smtClean="0">
-                <a:latin typeface="에스코어 드림 4 Regular" panose="020B0503030302020204" pitchFamily="34" charset="-127"/>
-                <a:ea typeface="에스코어 드림 4 Regular" panose="020B0503030302020204" pitchFamily="34" charset="-127"/>
-              </a:rPr>
-              <a:t>Windows API</a:t>
-            </a:r>
-            <a:r>
-              <a:rPr lang="ko-KR" altLang="en-US" dirty="0" smtClean="0">
-                <a:latin typeface="에스코어 드림 4 Regular" panose="020B0503030302020204" pitchFamily="34" charset="-127"/>
-                <a:ea typeface="에스코어 드림 4 Regular" panose="020B0503030302020204" pitchFamily="34" charset="-127"/>
-              </a:rPr>
-              <a:t>하는 과정은</a:t>
-            </a:r>
-            <a:endParaRPr lang="en-US" altLang="ko-KR" dirty="0" smtClean="0">
-              <a:latin typeface="에스코어 드림 4 Regular" panose="020B0503030302020204" pitchFamily="34" charset="-127"/>
-              <a:ea typeface="에스코어 드림 4 Regular" panose="020B0503030302020204" pitchFamily="34" charset="-127"/>
-            </a:endParaRPr>
-          </a:p>
-          <a:p>
-            <a:r>
-              <a:rPr lang="ko-KR" altLang="en-US" dirty="0" smtClean="0">
-                <a:solidFill>
-                  <a:srgbClr val="FF0000"/>
-                </a:solidFill>
-                <a:latin typeface="에스코어 드림 4 Regular" panose="020B0503030302020204" pitchFamily="34" charset="-127"/>
-                <a:ea typeface="에스코어 드림 4 Regular" panose="020B0503030302020204" pitchFamily="34" charset="-127"/>
-              </a:rPr>
-              <a:t>게임 엔진을 만들어보는 </a:t>
-            </a:r>
-            <a:r>
-              <a:rPr lang="ko-KR" altLang="en-US" dirty="0" err="1" smtClean="0">
-                <a:solidFill>
-                  <a:srgbClr val="FF0000"/>
-                </a:solidFill>
-                <a:latin typeface="에스코어 드림 4 Regular" panose="020B0503030302020204" pitchFamily="34" charset="-127"/>
-                <a:ea typeface="에스코어 드림 4 Regular" panose="020B0503030302020204" pitchFamily="34" charset="-127"/>
-              </a:rPr>
-              <a:t>과정이랑</a:t>
-            </a:r>
-            <a:r>
-              <a:rPr lang="ko-KR" altLang="en-US" dirty="0" smtClean="0">
-                <a:solidFill>
-                  <a:srgbClr val="FF0000"/>
-                </a:solidFill>
-                <a:latin typeface="에스코어 드림 4 Regular" panose="020B0503030302020204" pitchFamily="34" charset="-127"/>
-                <a:ea typeface="에스코어 드림 4 Regular" panose="020B0503030302020204" pitchFamily="34" charset="-127"/>
-              </a:rPr>
-              <a:t> 아주 흡사합니다</a:t>
-            </a:r>
-            <a:r>
-              <a:rPr lang="en-US" altLang="ko-KR" dirty="0" smtClean="0">
-                <a:latin typeface="에스코어 드림 4 Regular" panose="020B0503030302020204" pitchFamily="34" charset="-127"/>
-                <a:ea typeface="에스코어 드림 4 Regular" panose="020B0503030302020204" pitchFamily="34" charset="-127"/>
-              </a:rPr>
-              <a:t>.</a:t>
-            </a:r>
-          </a:p>
-          <a:p>
-            <a:r>
-              <a:rPr lang="en-US" altLang="ko-KR" dirty="0" smtClean="0">
-                <a:latin typeface="에스코어 드림 4 Regular" panose="020B0503030302020204" pitchFamily="34" charset="-127"/>
-                <a:ea typeface="에스코어 드림 4 Regular" panose="020B0503030302020204" pitchFamily="34" charset="-127"/>
-              </a:rPr>
-              <a:t>(</a:t>
-            </a:r>
-            <a:r>
-              <a:rPr lang="ko-KR" altLang="en-US" dirty="0" smtClean="0">
-                <a:latin typeface="에스코어 드림 4 Regular" panose="020B0503030302020204" pitchFamily="34" charset="-127"/>
-                <a:ea typeface="에스코어 드림 4 Regular" panose="020B0503030302020204" pitchFamily="34" charset="-127"/>
-              </a:rPr>
-              <a:t>맛보기 수준이다</a:t>
-            </a:r>
-            <a:r>
-              <a:rPr lang="en-US" altLang="ko-KR" dirty="0" smtClean="0">
-                <a:latin typeface="에스코어 드림 4 Regular" panose="020B0503030302020204" pitchFamily="34" charset="-127"/>
-                <a:ea typeface="에스코어 드림 4 Regular" panose="020B0503030302020204" pitchFamily="34" charset="-127"/>
-              </a:rPr>
-              <a:t>.)</a:t>
-            </a:r>
-          </a:p>
-          <a:p>
             <a:endParaRPr lang="en-US" altLang="ko-KR" dirty="0">
               <a:latin typeface="에스코어 드림 4 Regular" panose="020B0503030302020204" pitchFamily="34" charset="-127"/>
               <a:ea typeface="에스코어 드림 4 Regular" panose="020B0503030302020204" pitchFamily="34" charset="-127"/>
@@ -7421,62 +7194,18 @@
           </a:p>
           <a:p>
             <a:r>
-              <a:rPr lang="en-US" altLang="ko-KR" dirty="0" smtClean="0">
-                <a:latin typeface="에스코어 드림 4 Regular" panose="020B0503030302020204" pitchFamily="34" charset="-127"/>
-                <a:ea typeface="에스코어 드림 4 Regular" panose="020B0503030302020204" pitchFamily="34" charset="-127"/>
-              </a:rPr>
-              <a:t>DirectX</a:t>
-            </a:r>
-            <a:r>
-              <a:rPr lang="ko-KR" altLang="en-US" dirty="0" smtClean="0">
-                <a:latin typeface="에스코어 드림 4 Regular" panose="020B0503030302020204" pitchFamily="34" charset="-127"/>
-                <a:ea typeface="에스코어 드림 4 Regular" panose="020B0503030302020204" pitchFamily="34" charset="-127"/>
-              </a:rPr>
-              <a:t>도 </a:t>
-            </a:r>
-            <a:r>
-              <a:rPr lang="ko-KR" altLang="en-US" dirty="0" err="1" smtClean="0">
-                <a:latin typeface="에스코어 드림 4 Regular" panose="020B0503030302020204" pitchFamily="34" charset="-127"/>
-                <a:ea typeface="에스코어 드림 4 Regular" panose="020B0503030302020204" pitchFamily="34" charset="-127"/>
-              </a:rPr>
-              <a:t>하긴할건데</a:t>
-            </a:r>
-            <a:r>
-              <a:rPr lang="en-US" altLang="ko-KR" dirty="0" smtClean="0">
-                <a:latin typeface="에스코어 드림 4 Regular" panose="020B0503030302020204" pitchFamily="34" charset="-127"/>
-                <a:ea typeface="에스코어 드림 4 Regular" panose="020B0503030302020204" pitchFamily="34" charset="-127"/>
-              </a:rPr>
-              <a:t>, </a:t>
-            </a:r>
-          </a:p>
-          <a:p>
-            <a:r>
-              <a:rPr lang="ko-KR" altLang="en-US" dirty="0" smtClean="0">
-                <a:latin typeface="에스코어 드림 4 Regular" panose="020B0503030302020204" pitchFamily="34" charset="-127"/>
-                <a:ea typeface="에스코어 드림 4 Regular" panose="020B0503030302020204" pitchFamily="34" charset="-127"/>
-              </a:rPr>
-              <a:t>진짜 맛보기 과정이다</a:t>
-            </a:r>
-            <a:r>
-              <a:rPr lang="en-US" altLang="ko-KR" dirty="0" smtClean="0">
-                <a:latin typeface="에스코어 드림 4 Regular" panose="020B0503030302020204" pitchFamily="34" charset="-127"/>
-                <a:ea typeface="에스코어 드림 4 Regular" panose="020B0503030302020204" pitchFamily="34" charset="-127"/>
-              </a:rPr>
-              <a:t>. (</a:t>
-            </a:r>
-            <a:r>
-              <a:rPr lang="ko-KR" altLang="en-US" dirty="0" smtClean="0">
-                <a:latin typeface="에스코어 드림 4 Regular" panose="020B0503030302020204" pitchFamily="34" charset="-127"/>
-                <a:ea typeface="에스코어 드림 4 Regular" panose="020B0503030302020204" pitchFamily="34" charset="-127"/>
-              </a:rPr>
-              <a:t>주로 이론 위주</a:t>
-            </a:r>
-            <a:r>
-              <a:rPr lang="en-US" altLang="ko-KR" dirty="0" smtClean="0">
-                <a:latin typeface="에스코어 드림 4 Regular" panose="020B0503030302020204" pitchFamily="34" charset="-127"/>
-                <a:ea typeface="에스코어 드림 4 Regular" panose="020B0503030302020204" pitchFamily="34" charset="-127"/>
-              </a:rPr>
-              <a:t>)</a:t>
+              <a:rPr lang="en-US" altLang="ko-KR" dirty="0">
+                <a:latin typeface="에스코어 드림 4 Regular" panose="020B0503030302020204" pitchFamily="34" charset="-127"/>
+                <a:ea typeface="에스코어 드림 4 Regular" panose="020B0503030302020204" pitchFamily="34" charset="-127"/>
+              </a:rPr>
+              <a:t>Windows API</a:t>
+            </a:r>
+            <a:r>
+              <a:rPr lang="ko-KR" altLang="en-US" dirty="0">
+                <a:latin typeface="에스코어 드림 4 Regular" panose="020B0503030302020204" pitchFamily="34" charset="-127"/>
+                <a:ea typeface="에스코어 드림 4 Regular" panose="020B0503030302020204" pitchFamily="34" charset="-127"/>
+              </a:rPr>
+              <a:t>를 효과적으로 배우기 위해서는</a:t>
             </a:r>
             <a:endParaRPr lang="en-US" altLang="ko-KR" dirty="0">
               <a:latin typeface="에스코어 드림 4 Regular" panose="020B0503030302020204" pitchFamily="34" charset="-127"/>
@@ -7485,35 +7214,212 @@
           </a:p>
           <a:p>
             <a:r>
-              <a:rPr lang="en-US" altLang="ko-KR" dirty="0" smtClean="0">
+              <a:rPr lang="ko-KR" altLang="en-US" dirty="0">
+                <a:latin typeface="에스코어 드림 4 Regular" panose="020B0503030302020204" pitchFamily="34" charset="-127"/>
+                <a:ea typeface="에스코어 드림 4 Regular" panose="020B0503030302020204" pitchFamily="34" charset="-127"/>
+              </a:rPr>
+              <a:t>엔진에서 쓰이는 기술을 그대로 만들 수 있어야합니다</a:t>
+            </a:r>
+            <a:r>
+              <a:rPr lang="en-US" altLang="ko-KR" dirty="0">
+                <a:latin typeface="에스코어 드림 4 Regular" panose="020B0503030302020204" pitchFamily="34" charset="-127"/>
+                <a:ea typeface="에스코어 드림 4 Regular" panose="020B0503030302020204" pitchFamily="34" charset="-127"/>
+              </a:rPr>
+              <a:t>.</a:t>
+            </a:r>
+          </a:p>
+          <a:p>
+            <a:endParaRPr lang="en-US" altLang="ko-KR" dirty="0">
+              <a:latin typeface="에스코어 드림 4 Regular" panose="020B0503030302020204" pitchFamily="34" charset="-127"/>
+              <a:ea typeface="에스코어 드림 4 Regular" panose="020B0503030302020204" pitchFamily="34" charset="-127"/>
+            </a:endParaRPr>
+          </a:p>
+          <a:p>
+            <a:r>
+              <a:rPr lang="ko-KR" altLang="en-US" dirty="0">
+                <a:latin typeface="에스코어 드림 4 Regular" panose="020B0503030302020204" pitchFamily="34" charset="-127"/>
+                <a:ea typeface="에스코어 드림 4 Regular" panose="020B0503030302020204" pitchFamily="34" charset="-127"/>
+              </a:rPr>
+              <a:t>그래서 저희가 지금 </a:t>
+            </a:r>
+            <a:r>
+              <a:rPr lang="en-US" altLang="ko-KR" dirty="0">
+                <a:latin typeface="에스코어 드림 4 Regular" panose="020B0503030302020204" pitchFamily="34" charset="-127"/>
+                <a:ea typeface="에스코어 드림 4 Regular" panose="020B0503030302020204" pitchFamily="34" charset="-127"/>
+              </a:rPr>
+              <a:t>Windows API</a:t>
+            </a:r>
+            <a:r>
+              <a:rPr lang="ko-KR" altLang="en-US" dirty="0">
+                <a:latin typeface="에스코어 드림 4 Regular" panose="020B0503030302020204" pitchFamily="34" charset="-127"/>
+                <a:ea typeface="에스코어 드림 4 Regular" panose="020B0503030302020204" pitchFamily="34" charset="-127"/>
+              </a:rPr>
+              <a:t>하는 과정은</a:t>
+            </a:r>
+            <a:endParaRPr lang="en-US" altLang="ko-KR" dirty="0">
+              <a:latin typeface="에스코어 드림 4 Regular" panose="020B0503030302020204" pitchFamily="34" charset="-127"/>
+              <a:ea typeface="에스코어 드림 4 Regular" panose="020B0503030302020204" pitchFamily="34" charset="-127"/>
+            </a:endParaRPr>
+          </a:p>
+          <a:p>
+            <a:r>
+              <a:rPr lang="ko-KR" altLang="en-US" dirty="0">
+                <a:solidFill>
+                  <a:srgbClr val="FF0000"/>
+                </a:solidFill>
+                <a:latin typeface="에스코어 드림 4 Regular" panose="020B0503030302020204" pitchFamily="34" charset="-127"/>
+                <a:ea typeface="에스코어 드림 4 Regular" panose="020B0503030302020204" pitchFamily="34" charset="-127"/>
+              </a:rPr>
+              <a:t>게임 엔진을 만들어보는 </a:t>
+            </a:r>
+            <a:r>
+              <a:rPr lang="ko-KR" altLang="en-US" dirty="0" err="1">
+                <a:solidFill>
+                  <a:srgbClr val="FF0000"/>
+                </a:solidFill>
+                <a:latin typeface="에스코어 드림 4 Regular" panose="020B0503030302020204" pitchFamily="34" charset="-127"/>
+                <a:ea typeface="에스코어 드림 4 Regular" panose="020B0503030302020204" pitchFamily="34" charset="-127"/>
+              </a:rPr>
+              <a:t>과정이랑</a:t>
+            </a:r>
+            <a:r>
+              <a:rPr lang="ko-KR" altLang="en-US" dirty="0">
+                <a:solidFill>
+                  <a:srgbClr val="FF0000"/>
+                </a:solidFill>
+                <a:latin typeface="에스코어 드림 4 Regular" panose="020B0503030302020204" pitchFamily="34" charset="-127"/>
+                <a:ea typeface="에스코어 드림 4 Regular" panose="020B0503030302020204" pitchFamily="34" charset="-127"/>
+              </a:rPr>
+              <a:t> 아주 흡사합니다</a:t>
+            </a:r>
+            <a:r>
+              <a:rPr lang="en-US" altLang="ko-KR" dirty="0">
+                <a:latin typeface="에스코어 드림 4 Regular" panose="020B0503030302020204" pitchFamily="34" charset="-127"/>
+                <a:ea typeface="에스코어 드림 4 Regular" panose="020B0503030302020204" pitchFamily="34" charset="-127"/>
+              </a:rPr>
+              <a:t>.</a:t>
+            </a:r>
+          </a:p>
+          <a:p>
+            <a:r>
+              <a:rPr lang="en-US" altLang="ko-KR" dirty="0">
+                <a:latin typeface="에스코어 드림 4 Regular" panose="020B0503030302020204" pitchFamily="34" charset="-127"/>
+                <a:ea typeface="에스코어 드림 4 Regular" panose="020B0503030302020204" pitchFamily="34" charset="-127"/>
+              </a:rPr>
+              <a:t>(</a:t>
+            </a:r>
+            <a:r>
+              <a:rPr lang="ko-KR" altLang="en-US" dirty="0">
+                <a:latin typeface="에스코어 드림 4 Regular" panose="020B0503030302020204" pitchFamily="34" charset="-127"/>
+                <a:ea typeface="에스코어 드림 4 Regular" panose="020B0503030302020204" pitchFamily="34" charset="-127"/>
+              </a:rPr>
+              <a:t>맛보기 수준이다</a:t>
+            </a:r>
+            <a:r>
+              <a:rPr lang="en-US" altLang="ko-KR" dirty="0">
+                <a:latin typeface="에스코어 드림 4 Regular" panose="020B0503030302020204" pitchFamily="34" charset="-127"/>
+                <a:ea typeface="에스코어 드림 4 Regular" panose="020B0503030302020204" pitchFamily="34" charset="-127"/>
+              </a:rPr>
+              <a:t>.)</a:t>
+            </a:r>
+          </a:p>
+          <a:p>
+            <a:endParaRPr lang="en-US" altLang="ko-KR" dirty="0">
+              <a:latin typeface="에스코어 드림 4 Regular" panose="020B0503030302020204" pitchFamily="34" charset="-127"/>
+              <a:ea typeface="에스코어 드림 4 Regular" panose="020B0503030302020204" pitchFamily="34" charset="-127"/>
+            </a:endParaRPr>
+          </a:p>
+          <a:p>
+            <a:r>
+              <a:rPr lang="en-US" altLang="ko-KR" dirty="0">
+                <a:latin typeface="에스코어 드림 4 Regular" panose="020B0503030302020204" pitchFamily="34" charset="-127"/>
+                <a:ea typeface="에스코어 드림 4 Regular" panose="020B0503030302020204" pitchFamily="34" charset="-127"/>
+              </a:rPr>
+              <a:t>DirectX</a:t>
+            </a:r>
+            <a:r>
+              <a:rPr lang="ko-KR" altLang="en-US" dirty="0">
+                <a:latin typeface="에스코어 드림 4 Regular" panose="020B0503030302020204" pitchFamily="34" charset="-127"/>
+                <a:ea typeface="에스코어 드림 4 Regular" panose="020B0503030302020204" pitchFamily="34" charset="-127"/>
+              </a:rPr>
+              <a:t>도 </a:t>
+            </a:r>
+            <a:r>
+              <a:rPr lang="ko-KR" altLang="en-US" dirty="0" err="1">
+                <a:latin typeface="에스코어 드림 4 Regular" panose="020B0503030302020204" pitchFamily="34" charset="-127"/>
+                <a:ea typeface="에스코어 드림 4 Regular" panose="020B0503030302020204" pitchFamily="34" charset="-127"/>
+              </a:rPr>
+              <a:t>하긴할건데</a:t>
+            </a:r>
+            <a:r>
+              <a:rPr lang="en-US" altLang="ko-KR" dirty="0">
+                <a:latin typeface="에스코어 드림 4 Regular" panose="020B0503030302020204" pitchFamily="34" charset="-127"/>
+                <a:ea typeface="에스코어 드림 4 Regular" panose="020B0503030302020204" pitchFamily="34" charset="-127"/>
+              </a:rPr>
+              <a:t>, </a:t>
+            </a:r>
+          </a:p>
+          <a:p>
+            <a:r>
+              <a:rPr lang="ko-KR" altLang="en-US" dirty="0">
+                <a:latin typeface="에스코어 드림 4 Regular" panose="020B0503030302020204" pitchFamily="34" charset="-127"/>
+                <a:ea typeface="에스코어 드림 4 Regular" panose="020B0503030302020204" pitchFamily="34" charset="-127"/>
+              </a:rPr>
+              <a:t>진짜 맛보기 과정이다</a:t>
+            </a:r>
+            <a:r>
+              <a:rPr lang="en-US" altLang="ko-KR" dirty="0">
+                <a:latin typeface="에스코어 드림 4 Regular" panose="020B0503030302020204" pitchFamily="34" charset="-127"/>
+                <a:ea typeface="에스코어 드림 4 Regular" panose="020B0503030302020204" pitchFamily="34" charset="-127"/>
+              </a:rPr>
+              <a:t>. (</a:t>
+            </a:r>
+            <a:r>
+              <a:rPr lang="ko-KR" altLang="en-US" dirty="0">
+                <a:latin typeface="에스코어 드림 4 Regular" panose="020B0503030302020204" pitchFamily="34" charset="-127"/>
+                <a:ea typeface="에스코어 드림 4 Regular" panose="020B0503030302020204" pitchFamily="34" charset="-127"/>
+              </a:rPr>
+              <a:t>주로 이론 위주</a:t>
+            </a:r>
+            <a:r>
+              <a:rPr lang="en-US" altLang="ko-KR" dirty="0">
+                <a:latin typeface="에스코어 드림 4 Regular" panose="020B0503030302020204" pitchFamily="34" charset="-127"/>
+                <a:ea typeface="에스코어 드림 4 Regular" panose="020B0503030302020204" pitchFamily="34" charset="-127"/>
+              </a:rPr>
+              <a:t>)</a:t>
+            </a:r>
+          </a:p>
+          <a:p>
+            <a:r>
+              <a:rPr lang="en-US" altLang="ko-KR" dirty="0">
                 <a:latin typeface="에스코어 드림 4 Regular" panose="020B0503030302020204" pitchFamily="34" charset="-127"/>
                 <a:ea typeface="에스코어 드림 4 Regular" panose="020B0503030302020204" pitchFamily="34" charset="-127"/>
               </a:rPr>
               <a:t>(DX</a:t>
             </a:r>
             <a:r>
-              <a:rPr lang="ko-KR" altLang="en-US" dirty="0" smtClean="0">
+              <a:rPr lang="ko-KR" altLang="en-US" dirty="0">
                 <a:latin typeface="에스코어 드림 4 Regular" panose="020B0503030302020204" pitchFamily="34" charset="-127"/>
                 <a:ea typeface="에스코어 드림 4 Regular" panose="020B0503030302020204" pitchFamily="34" charset="-127"/>
               </a:rPr>
               <a:t>는 </a:t>
             </a:r>
             <a:r>
-              <a:rPr lang="en-US" altLang="ko-KR" dirty="0" smtClean="0">
+              <a:rPr lang="en-US" altLang="ko-KR" dirty="0">
                 <a:latin typeface="에스코어 드림 4 Regular" panose="020B0503030302020204" pitchFamily="34" charset="-127"/>
                 <a:ea typeface="에스코어 드림 4 Regular" panose="020B0503030302020204" pitchFamily="34" charset="-127"/>
               </a:rPr>
               <a:t>Windows API </a:t>
             </a:r>
             <a:r>
-              <a:rPr lang="ko-KR" altLang="en-US" dirty="0" smtClean="0">
+              <a:rPr lang="ko-KR" altLang="en-US" dirty="0">
                 <a:latin typeface="에스코어 드림 4 Regular" panose="020B0503030302020204" pitchFamily="34" charset="-127"/>
                 <a:ea typeface="에스코어 드림 4 Regular" panose="020B0503030302020204" pitchFamily="34" charset="-127"/>
               </a:rPr>
               <a:t>하다가 한계점이 봉착하면 조금 나갈 정도로 할거다</a:t>
             </a:r>
             <a:r>
-              <a:rPr lang="en-US" altLang="ko-KR" dirty="0" smtClean="0">
+              <a:rPr lang="en-US" altLang="ko-KR" dirty="0">
                 <a:latin typeface="에스코어 드림 4 Regular" panose="020B0503030302020204" pitchFamily="34" charset="-127"/>
                 <a:ea typeface="에스코어 드림 4 Regular" panose="020B0503030302020204" pitchFamily="34" charset="-127"/>
               </a:rPr>
@@ -7575,7 +7481,7 @@
           <a:lstStyle/>
           <a:p>
             <a:r>
-              <a:rPr lang="en-US" altLang="ko-KR" dirty="0" err="1" smtClean="0">
+              <a:rPr lang="en-US" altLang="ko-KR" dirty="0" err="1">
                 <a:latin typeface="에스코어 드림 4 Regular" panose="020B0503030302020204" pitchFamily="34" charset="-127"/>
                 <a:ea typeface="에스코어 드림 4 Regular" panose="020B0503030302020204" pitchFamily="34" charset="-127"/>
               </a:rPr>
@@ -7624,47 +7530,42 @@
               <a:rPr lang="fr-FR" altLang="ko-KR" dirty="0"/>
               <a:t>QueryPerformanceFrequency </a:t>
             </a:r>
-            <a:endParaRPr lang="fr-FR" altLang="ko-KR" dirty="0" smtClean="0"/>
           </a:p>
           <a:p>
             <a:r>
               <a:rPr lang="fr-FR" altLang="ko-KR" dirty="0"/>
+              <a:t> =&gt; 1</a:t>
+            </a:r>
+            <a:r>
+              <a:rPr lang="ko-KR" altLang="en-US" dirty="0"/>
+              <a:t>초를 초정밀 타이머로 </a:t>
+            </a:r>
+            <a:r>
+              <a:rPr lang="ko-KR" altLang="en-US" dirty="0" err="1"/>
+              <a:t>쪼갰을때</a:t>
+            </a:r>
+            <a:r>
+              <a:rPr lang="ko-KR" altLang="en-US" dirty="0"/>
               <a:t> </a:t>
             </a:r>
             <a:r>
-              <a:rPr lang="fr-FR" altLang="ko-KR" dirty="0" smtClean="0"/>
-              <a:t>=&gt; 1</a:t>
-            </a:r>
-            <a:r>
-              <a:rPr lang="ko-KR" altLang="en-US" dirty="0" smtClean="0"/>
-              <a:t>초를 초정밀 타이머로 </a:t>
-            </a:r>
-            <a:r>
-              <a:rPr lang="ko-KR" altLang="en-US" dirty="0" err="1" smtClean="0"/>
-              <a:t>쪼갰을때</a:t>
-            </a:r>
-            <a:r>
-              <a:rPr lang="ko-KR" altLang="en-US" dirty="0" smtClean="0"/>
+              <a:rPr lang="ko-KR" altLang="en-US" dirty="0" err="1"/>
+              <a:t>몇번</a:t>
+            </a:r>
+            <a:r>
+              <a:rPr lang="ko-KR" altLang="en-US" dirty="0"/>
               <a:t> </a:t>
             </a:r>
             <a:r>
-              <a:rPr lang="ko-KR" altLang="en-US" dirty="0" err="1" smtClean="0"/>
-              <a:t>몇번</a:t>
-            </a:r>
-            <a:r>
-              <a:rPr lang="ko-KR" altLang="en-US" dirty="0" smtClean="0"/>
+              <a:rPr lang="ko-KR" altLang="en-US" dirty="0" err="1"/>
+              <a:t>쪼갤수있는지</a:t>
+            </a:r>
+            <a:r>
+              <a:rPr lang="en-US" altLang="ko-KR" dirty="0"/>
               <a:t> </a:t>
             </a:r>
             <a:r>
-              <a:rPr lang="ko-KR" altLang="en-US" dirty="0" err="1" smtClean="0"/>
-              <a:t>쪼갤수있는지</a:t>
-            </a:r>
-            <a:r>
-              <a:rPr lang="en-US" altLang="ko-KR" dirty="0" smtClean="0"/>
-              <a:t> </a:t>
-            </a:r>
-            <a:r>
-              <a:rPr lang="ko-KR" altLang="en-US" dirty="0" smtClean="0"/>
+              <a:rPr lang="ko-KR" altLang="en-US" dirty="0"/>
               <a:t>반환</a:t>
             </a:r>
             <a:endParaRPr lang="en-US" altLang="ko-KR" dirty="0"/>
@@ -7744,11 +7645,11 @@
           </a:lstStyle>
           <a:p>
             <a:r>
-              <a:rPr lang="en-US" altLang="ko-KR" smtClean="0"/>
+              <a:rPr lang="en-US" altLang="ko-KR"/>
               <a:t>0</a:t>
             </a:r>
             <a:r>
-              <a:rPr lang="ko-KR" altLang="en-US" dirty="0" smtClean="0"/>
+              <a:rPr lang="ko-KR" altLang="en-US" dirty="0"/>
               <a:t>초</a:t>
             </a:r>
             <a:endParaRPr lang="en-US" altLang="ko-KR" dirty="0"/>
@@ -7788,11 +7689,11 @@
           </a:lstStyle>
           <a:p>
             <a:r>
-              <a:rPr lang="en-US" altLang="ko-KR" dirty="0" smtClean="0"/>
+              <a:rPr lang="en-US" altLang="ko-KR" dirty="0"/>
               <a:t>1</a:t>
             </a:r>
             <a:r>
-              <a:rPr lang="ko-KR" altLang="en-US" dirty="0" smtClean="0"/>
+              <a:rPr lang="ko-KR" altLang="en-US" dirty="0"/>
               <a:t>초</a:t>
             </a:r>
             <a:endParaRPr lang="en-US" altLang="ko-KR" dirty="0"/>
@@ -7808,7 +7709,7 @@
         <p:spPr>
           <a:xfrm>
             <a:off x="465513" y="2937626"/>
-            <a:ext cx="4407425" cy="2308324"/>
+            <a:ext cx="3998210" cy="2308324"/>
           </a:xfrm>
           <a:prstGeom prst="rect">
             <a:avLst/>
@@ -7836,21 +7737,22 @@
               <a:buChar char="Þ"/>
             </a:pPr>
             <a:r>
-              <a:rPr lang="en-US" altLang="ko-KR" dirty="0" smtClean="0"/>
+              <a:rPr lang="en-US" altLang="ko-KR" dirty="0"/>
               <a:t>10</a:t>
             </a:r>
             <a:r>
-              <a:rPr lang="ko-KR" altLang="en-US" dirty="0" smtClean="0"/>
+              <a:rPr lang="ko-KR" altLang="en-US" dirty="0"/>
               <a:t>번 </a:t>
             </a:r>
             <a:r>
-              <a:rPr lang="ko-KR" altLang="en-US" dirty="0" err="1" smtClean="0"/>
-              <a:t>쪼갤수있다</a:t>
-            </a:r>
-            <a:r>
-              <a:rPr lang="en-US" altLang="ko-KR" dirty="0" smtClean="0"/>
-              <a:t>.</a:t>
-            </a:r>
+              <a:rPr lang="ko-KR" altLang="en-US" dirty="0" err="1"/>
+              <a:t>쪼갤수있다고</a:t>
+            </a:r>
+            <a:r>
+              <a:rPr lang="ko-KR" altLang="en-US"/>
+              <a:t> 할 때 </a:t>
+            </a:r>
+            <a:endParaRPr lang="en-US" altLang="ko-KR" dirty="0"/>
           </a:p>
           <a:p>
             <a:pPr marL="285750" indent="-285750">
@@ -7861,32 +7763,31 @@
           </a:p>
           <a:p>
             <a:r>
-              <a:rPr lang="en-US" altLang="ko-KR" b="1" dirty="0" smtClean="0"/>
+              <a:rPr lang="en-US" altLang="ko-KR" b="1" dirty="0"/>
               <a:t>Count =&gt; 13</a:t>
             </a:r>
             <a:r>
-              <a:rPr lang="ko-KR" altLang="en-US" dirty="0" smtClean="0"/>
+              <a:rPr lang="ko-KR" altLang="en-US" dirty="0"/>
               <a:t>이라는 값이 나왔으면</a:t>
             </a:r>
-            <a:endParaRPr lang="en-US" altLang="ko-KR" dirty="0" smtClean="0"/>
-          </a:p>
-          <a:p>
-            <a:r>
-              <a:rPr lang="en-US" altLang="ko-KR" dirty="0" smtClean="0"/>
+            <a:endParaRPr lang="en-US" altLang="ko-KR" dirty="0"/>
+          </a:p>
+          <a:p>
+            <a:r>
+              <a:rPr lang="en-US" altLang="ko-KR" dirty="0"/>
               <a:t>1.3</a:t>
             </a:r>
             <a:r>
-              <a:rPr lang="ko-KR" altLang="en-US" dirty="0" smtClean="0"/>
+              <a:rPr lang="ko-KR" altLang="en-US" dirty="0"/>
               <a:t>초 흘렀다</a:t>
             </a:r>
             <a:r>
-              <a:rPr lang="en-US" altLang="ko-KR" dirty="0" smtClean="0"/>
+              <a:rPr lang="en-US" altLang="ko-KR" dirty="0"/>
               <a:t>.</a:t>
             </a:r>
+          </a:p>
+          <a:p>
             <a:endParaRPr lang="en-US" altLang="ko-KR" dirty="0"/>
-          </a:p>
-          <a:p>
-            <a:endParaRPr lang="en-US" altLang="ko-KR" dirty="0" smtClean="0"/>
           </a:p>
           <a:p>
             <a:r>
